--- a/2.7 and 2.8 Documentation Template .pptx
+++ b/2.7 and 2.8 Documentation Template .pptx
@@ -126,21 +126,37 @@
 </p:presentation>
 </file>
 
+<file path=ppt/revisionInfo.xml><?xml version="1.0" encoding="utf-8"?>
+<p1510:revInfo xmlns:a="http://schemas.openxmlformats.org/drawingml/2006/main" xmlns:r="http://schemas.openxmlformats.org/officeDocument/2006/relationships" xmlns:p1510="http://schemas.microsoft.com/office/powerpoint/2015/10/main">
+  <p1510:revLst>
+    <p1510:client id="{1A2AD167-03BD-4192-8625-971A44F5C939}" v="7" dt="2024-03-27T01:24:27.306"/>
+  </p1510:revLst>
+</p1510:revInfo>
+</file>
+
 <file path=ppt/changesInfos/changesInfo1.xml><?xml version="1.0" encoding="utf-8"?>
 <pc:chgInfo xmlns:a="http://schemas.openxmlformats.org/drawingml/2006/main" xmlns:r="http://schemas.openxmlformats.org/officeDocument/2006/relationships" xmlns:ac="http://schemas.microsoft.com/office/drawing/2013/main/command" xmlns:pc="http://schemas.microsoft.com/office/powerpoint/2013/main/command">
   <pc:docChgLst>
     <pc:chgData name="Thomas Xu" userId="72a40c57-58f8-4deb-8f71-c52d4941dc1d" providerId="ADAL" clId="{1A2AD167-03BD-4192-8625-971A44F5C939}"/>
-    <pc:docChg chg="modSld">
-      <pc:chgData name="Thomas Xu" userId="72a40c57-58f8-4deb-8f71-c52d4941dc1d" providerId="ADAL" clId="{1A2AD167-03BD-4192-8625-971A44F5C939}" dt="2024-03-27T01:05:19.332" v="50" actId="20577"/>
+    <pc:docChg chg="undo custSel modSld">
+      <pc:chgData name="Thomas Xu" userId="72a40c57-58f8-4deb-8f71-c52d4941dc1d" providerId="ADAL" clId="{1A2AD167-03BD-4192-8625-971A44F5C939}" dt="2024-03-27T01:25:11.070" v="163" actId="113"/>
       <pc:docMkLst>
         <pc:docMk/>
       </pc:docMkLst>
       <pc:sldChg chg="modSp mod">
-        <pc:chgData name="Thomas Xu" userId="72a40c57-58f8-4deb-8f71-c52d4941dc1d" providerId="ADAL" clId="{1A2AD167-03BD-4192-8625-971A44F5C939}" dt="2024-03-27T01:05:19.332" v="50" actId="20577"/>
+        <pc:chgData name="Thomas Xu" userId="72a40c57-58f8-4deb-8f71-c52d4941dc1d" providerId="ADAL" clId="{1A2AD167-03BD-4192-8625-971A44F5C939}" dt="2024-03-27T01:25:11.070" v="163" actId="113"/>
         <pc:sldMkLst>
           <pc:docMk/>
           <pc:sldMk cId="1362934084" sldId="256"/>
         </pc:sldMkLst>
+        <pc:spChg chg="mod">
+          <ac:chgData name="Thomas Xu" userId="72a40c57-58f8-4deb-8f71-c52d4941dc1d" providerId="ADAL" clId="{1A2AD167-03BD-4192-8625-971A44F5C939}" dt="2024-03-27T01:25:11.070" v="163" actId="113"/>
+          <ac:spMkLst>
+            <pc:docMk/>
+            <pc:sldMk cId="1362934084" sldId="256"/>
+            <ac:spMk id="2" creationId="{A96C2811-5704-42C1-869B-16E29CB6572E}"/>
+          </ac:spMkLst>
+        </pc:spChg>
         <pc:spChg chg="mod">
           <ac:chgData name="Thomas Xu" userId="72a40c57-58f8-4deb-8f71-c52d4941dc1d" providerId="ADAL" clId="{1A2AD167-03BD-4192-8625-971A44F5C939}" dt="2024-03-27T01:05:19.332" v="50" actId="20577"/>
           <ac:spMkLst>
@@ -149,6 +165,69 @@
             <ac:spMk id="3" creationId="{930E6464-DA98-43C8-B6C9-594748754628}"/>
           </ac:spMkLst>
         </pc:spChg>
+      </pc:sldChg>
+      <pc:sldChg chg="addSp delSp modSp mod">
+        <pc:chgData name="Thomas Xu" userId="72a40c57-58f8-4deb-8f71-c52d4941dc1d" providerId="ADAL" clId="{1A2AD167-03BD-4192-8625-971A44F5C939}" dt="2024-03-27T01:24:26.367" v="127"/>
+        <pc:sldMkLst>
+          <pc:docMk/>
+          <pc:sldMk cId="3838895173" sldId="258"/>
+        </pc:sldMkLst>
+        <pc:spChg chg="mod">
+          <ac:chgData name="Thomas Xu" userId="72a40c57-58f8-4deb-8f71-c52d4941dc1d" providerId="ADAL" clId="{1A2AD167-03BD-4192-8625-971A44F5C939}" dt="2024-03-27T01:24:08.117" v="120" actId="20577"/>
+          <ac:spMkLst>
+            <pc:docMk/>
+            <pc:sldMk cId="3838895173" sldId="258"/>
+            <ac:spMk id="2" creationId="{0D168B5A-EFF4-4803-8DA6-5994B306EBAF}"/>
+          </ac:spMkLst>
+        </pc:spChg>
+        <pc:spChg chg="add">
+          <ac:chgData name="Thomas Xu" userId="72a40c57-58f8-4deb-8f71-c52d4941dc1d" providerId="ADAL" clId="{1A2AD167-03BD-4192-8625-971A44F5C939}" dt="2024-03-27T01:22:25.647" v="56"/>
+          <ac:spMkLst>
+            <pc:docMk/>
+            <pc:sldMk cId="3838895173" sldId="258"/>
+            <ac:spMk id="3" creationId="{BC6A9B76-C1BC-D614-7E98-20F8F85C96F3}"/>
+          </ac:spMkLst>
+        </pc:spChg>
+        <pc:spChg chg="mod">
+          <ac:chgData name="Thomas Xu" userId="72a40c57-58f8-4deb-8f71-c52d4941dc1d" providerId="ADAL" clId="{1A2AD167-03BD-4192-8625-971A44F5C939}" dt="2024-03-27T01:24:21.263" v="126" actId="20577"/>
+          <ac:spMkLst>
+            <pc:docMk/>
+            <pc:sldMk cId="3838895173" sldId="258"/>
+            <ac:spMk id="4" creationId="{F7FB308A-232B-4B31-A59D-BD561ECFBE8B}"/>
+          </ac:spMkLst>
+        </pc:spChg>
+        <pc:spChg chg="add">
+          <ac:chgData name="Thomas Xu" userId="72a40c57-58f8-4deb-8f71-c52d4941dc1d" providerId="ADAL" clId="{1A2AD167-03BD-4192-8625-971A44F5C939}" dt="2024-03-27T01:22:30.877" v="57"/>
+          <ac:spMkLst>
+            <pc:docMk/>
+            <pc:sldMk cId="3838895173" sldId="258"/>
+            <ac:spMk id="5" creationId="{48ECD46F-EF38-2B8D-D2B0-276D25D3CD32}"/>
+          </ac:spMkLst>
+        </pc:spChg>
+        <pc:spChg chg="add del mod">
+          <ac:chgData name="Thomas Xu" userId="72a40c57-58f8-4deb-8f71-c52d4941dc1d" providerId="ADAL" clId="{1A2AD167-03BD-4192-8625-971A44F5C939}" dt="2024-03-27T01:23:05.979" v="84"/>
+          <ac:spMkLst>
+            <pc:docMk/>
+            <pc:sldMk cId="3838895173" sldId="258"/>
+            <ac:spMk id="7" creationId="{A413E80E-C3B4-AA3B-4F91-18FAF6DC7DB8}"/>
+          </ac:spMkLst>
+        </pc:spChg>
+        <pc:graphicFrameChg chg="del mod modGraphic">
+          <ac:chgData name="Thomas Xu" userId="72a40c57-58f8-4deb-8f71-c52d4941dc1d" providerId="ADAL" clId="{1A2AD167-03BD-4192-8625-971A44F5C939}" dt="2024-03-27T01:23:33.717" v="87" actId="21"/>
+          <ac:graphicFrameMkLst>
+            <pc:docMk/>
+            <pc:sldMk cId="3838895173" sldId="258"/>
+            <ac:graphicFrameMk id="6" creationId="{A0658CEC-C8BE-4EBE-8618-7B97BA7329B8}"/>
+          </ac:graphicFrameMkLst>
+        </pc:graphicFrameChg>
+        <pc:graphicFrameChg chg="add mod">
+          <ac:chgData name="Thomas Xu" userId="72a40c57-58f8-4deb-8f71-c52d4941dc1d" providerId="ADAL" clId="{1A2AD167-03BD-4192-8625-971A44F5C939}" dt="2024-03-27T01:24:26.367" v="127"/>
+          <ac:graphicFrameMkLst>
+            <pc:docMk/>
+            <pc:sldMk cId="3838895173" sldId="258"/>
+            <ac:graphicFrameMk id="8" creationId="{A0658CEC-C8BE-4EBE-8618-7B97BA7329B8}"/>
+          </ac:graphicFrameMkLst>
+        </pc:graphicFrameChg>
       </pc:sldChg>
     </pc:docChg>
   </pc:docChgLst>
@@ -5108,20 +5187,15 @@
           <a:lstStyle/>
           <a:p>
             <a:r>
-              <a:rPr lang="en-NZ"/>
-              <a:t>AS91896(2.7</a:t>
-            </a:r>
-            <a:r>
               <a:rPr lang="en-NZ" dirty="0"/>
-              <a:t>) </a:t>
-            </a:r>
-            <a:r>
-              <a:rPr lang="en-NZ"/>
-              <a:t>&amp; AS91887(2.8</a:t>
-            </a:r>
-            <a:r>
+              <a:t>AS91896(2.7) &amp; AS91887(2.8)</a:t>
+            </a:r>
+            <a:br>
               <a:rPr lang="en-NZ" dirty="0"/>
-              <a:t>) Documentation</a:t>
+            </a:br>
+            <a:r>
+              <a:rPr lang="en-NZ" b="1" dirty="0"/>
+              <a:t>Burger Menu Combos</a:t>
             </a:r>
           </a:p>
         </p:txBody>
@@ -5697,7 +5771,7 @@
           <a:p>
             <a:r>
               <a:rPr lang="en-NZ" b="1" dirty="0"/>
-              <a:t>[Overtype this with your program name]</a:t>
+              <a:t>Burger Menu Combos</a:t>
             </a:r>
             <a:endParaRPr lang="en-NZ" dirty="0"/>
           </a:p>
@@ -5719,8 +5793,8 @@
         </p:nvSpPr>
         <p:spPr>
           <a:xfrm>
-            <a:off x="1693460" y="1914475"/>
-            <a:ext cx="8520600" cy="1750800"/>
+            <a:off x="1693460" y="1690688"/>
+            <a:ext cx="8520600" cy="4474029"/>
           </a:xfrm>
           <a:prstGeom prst="rect">
             <a:avLst/>
@@ -5927,23 +6001,7 @@
                   <a:srgbClr val="274E13"/>
                 </a:solidFill>
               </a:rPr>
-              <a:t>Link to your main (OneDrive) </a:t>
-            </a:r>
-            <a:r>
-              <a:rPr lang="en-NZ" sz="2000" b="1">
-                <a:solidFill>
-                  <a:srgbClr val="274E13"/>
-                </a:solidFill>
-              </a:rPr>
-              <a:t>project folder: </a:t>
-            </a:r>
-            <a:r>
-              <a:rPr lang="en-NZ" sz="2000" b="1" dirty="0">
-                <a:solidFill>
-                  <a:srgbClr val="274E13"/>
-                </a:solidFill>
-              </a:rPr>
-              <a:t>[here]</a:t>
+              <a:t>Link to your main (OneDrive) project folder: </a:t>
             </a:r>
           </a:p>
           <a:p>
@@ -5961,11 +6019,14 @@
               <a:buFont typeface="Arial"/>
               <a:buNone/>
             </a:pPr>
-            <a:endParaRPr lang="en-NZ" sz="2000" dirty="0">
-              <a:solidFill>
-                <a:srgbClr val="274E13"/>
-              </a:solidFill>
-            </a:endParaRPr>
+            <a:r>
+              <a:rPr lang="en-NZ" sz="2000" b="1" dirty="0">
+                <a:solidFill>
+                  <a:srgbClr val="274E13"/>
+                </a:solidFill>
+              </a:rPr>
+              <a:t>[https://middletonschoolnzmy.sharepoint.com/:f:/g/personal/xut2_middleton_school_nz/Enii4MCCLIlDkVrJsVz0hRAB6lpRNIjeu53b8AvbJYsupA?email=P.Baker%40middleton.school.nz&amp;e=dIz73Y]</a:t>
+            </a:r>
           </a:p>
           <a:p>
             <a:pPr marL="0" indent="0">
@@ -5981,13 +6042,53 @@
               <a:buSzPts val="1100"/>
               <a:buNone/>
             </a:pPr>
+            <a:endParaRPr lang="en-NZ" sz="2000" b="1" dirty="0">
+              <a:solidFill>
+                <a:srgbClr val="274E13"/>
+              </a:solidFill>
+            </a:endParaRPr>
+          </a:p>
+          <a:p>
+            <a:pPr marL="0" indent="0">
+              <a:lnSpc>
+                <a:spcPct val="100000"/>
+              </a:lnSpc>
+              <a:spcBef>
+                <a:spcPts val="0"/>
+              </a:spcBef>
+              <a:buClr>
+                <a:schemeClr val="dk1"/>
+              </a:buClr>
+              <a:buSzPts val="1100"/>
+              <a:buNone/>
+            </a:pPr>
+            <a:endParaRPr lang="en-NZ" sz="2000" b="1" dirty="0">
+              <a:solidFill>
+                <a:srgbClr val="274E13"/>
+              </a:solidFill>
+            </a:endParaRPr>
+          </a:p>
+          <a:p>
+            <a:pPr marL="0" indent="0">
+              <a:lnSpc>
+                <a:spcPct val="100000"/>
+              </a:lnSpc>
+              <a:spcBef>
+                <a:spcPts val="0"/>
+              </a:spcBef>
+              <a:buClr>
+                <a:schemeClr val="dk1"/>
+              </a:buClr>
+              <a:buSzPts val="1100"/>
+              <a:buNone/>
+            </a:pPr>
             <a:r>
               <a:rPr lang="en-NZ" sz="2000" b="1" dirty="0">
                 <a:solidFill>
                   <a:srgbClr val="274E13"/>
                 </a:solidFill>
               </a:rPr>
-              <a:t>Links to Trello board / project management tools: [here]</a:t>
+              <a:t>Links to Trello board / project management tools: [https://trello.com/invite/b/FhtI14HZ/ATTIb9b8e9e667a0a7e4b64882e5e66f98628483FCFD/burger-menu-combos]</a:t>
             </a:r>
           </a:p>
           <a:p>
@@ -6060,133 +6161,6 @@
           </a:p>
         </p:txBody>
       </p:sp>
-      <p:graphicFrame>
-        <p:nvGraphicFramePr>
-          <p:cNvPr id="6" name="Google Shape;56;p13">
-            <a:extLst>
-              <a:ext uri="{FF2B5EF4-FFF2-40B4-BE49-F238E27FC236}">
-                <a16:creationId xmlns:a16="http://schemas.microsoft.com/office/drawing/2014/main" id="{A0658CEC-C8BE-4EBE-8618-7B97BA7329B8}"/>
-              </a:ext>
-            </a:extLst>
-          </p:cNvPr>
-          <p:cNvGraphicFramePr/>
-          <p:nvPr>
-            <p:extLst>
-              <p:ext uri="{D42A27DB-BD31-4B8C-83A1-F6EECF244321}">
-                <p14:modId xmlns:p14="http://schemas.microsoft.com/office/powerpoint/2010/main" val="3913417117"/>
-              </p:ext>
-            </p:extLst>
-          </p:nvPr>
-        </p:nvGraphicFramePr>
-        <p:xfrm>
-          <a:off x="1693460" y="4327480"/>
-          <a:ext cx="8520600" cy="1859026"/>
-        </p:xfrm>
-        <a:graphic>
-          <a:graphicData uri="http://schemas.openxmlformats.org/drawingml/2006/table">
-            <a:tbl>
-              <a:tblPr>
-                <a:noFill/>
-              </a:tblPr>
-              <a:tblGrid>
-                <a:gridCol w="8520600">
-                  <a:extLst>
-                    <a:ext uri="{9D8B030D-6E8A-4147-A177-3AD203B41FA5}">
-                      <a16:colId xmlns:a16="http://schemas.microsoft.com/office/drawing/2014/main" val="20000"/>
-                    </a:ext>
-                  </a:extLst>
-                </a:gridCol>
-              </a:tblGrid>
-              <a:tr h="1495600">
-                <a:tc>
-                  <a:txBody>
-                    <a:bodyPr/>
-                    <a:lstStyle/>
-                    <a:p>
-                      <a:pPr marL="0" lvl="0" indent="0" algn="l" rtl="0">
-                        <a:lnSpc>
-                          <a:spcPct val="115000"/>
-                        </a:lnSpc>
-                        <a:spcBef>
-                          <a:spcPts val="0"/>
-                        </a:spcBef>
-                        <a:spcAft>
-                          <a:spcPts val="0"/>
-                        </a:spcAft>
-                        <a:buNone/>
-                      </a:pPr>
-                      <a:r>
-                        <a:rPr lang="en" sz="2000" b="1" i="1" dirty="0">
-                          <a:solidFill>
-                            <a:srgbClr val="990000"/>
-                          </a:solidFill>
-                        </a:rPr>
-                        <a:t>Ensure you have made these links ‘public’ so that they are open to anyone, including the marker.</a:t>
-                      </a:r>
-                    </a:p>
-                    <a:p>
-                      <a:pPr marL="0" lvl="0" indent="0" algn="l" rtl="0">
-                        <a:lnSpc>
-                          <a:spcPct val="115000"/>
-                        </a:lnSpc>
-                        <a:spcBef>
-                          <a:spcPts val="0"/>
-                        </a:spcBef>
-                        <a:spcAft>
-                          <a:spcPts val="0"/>
-                        </a:spcAft>
-                        <a:buNone/>
-                      </a:pPr>
-                      <a:endParaRPr lang="en" sz="2000" b="1" i="1" dirty="0">
-                        <a:solidFill>
-                          <a:srgbClr val="990000"/>
-                        </a:solidFill>
-                      </a:endParaRPr>
-                    </a:p>
-                    <a:p>
-                      <a:pPr marL="0" lvl="0" indent="0" algn="l" rtl="0">
-                        <a:lnSpc>
-                          <a:spcPct val="115000"/>
-                        </a:lnSpc>
-                        <a:spcBef>
-                          <a:spcPts val="0"/>
-                        </a:spcBef>
-                        <a:spcAft>
-                          <a:spcPts val="0"/>
-                        </a:spcAft>
-                        <a:buNone/>
-                      </a:pPr>
-                      <a:r>
-                        <a:rPr lang="en" sz="2000" b="1" i="1" dirty="0">
-                          <a:solidFill>
-                            <a:srgbClr val="990000"/>
-                          </a:solidFill>
-                        </a:rPr>
-                        <a:t>The link to your program is the final outcome of this whole project – your finished program.</a:t>
-                      </a:r>
-                      <a:endParaRPr sz="2000" b="1" i="1" dirty="0">
-                        <a:solidFill>
-                          <a:srgbClr val="990000"/>
-                        </a:solidFill>
-                      </a:endParaRPr>
-                    </a:p>
-                  </a:txBody>
-                  <a:tcPr marL="63500" marR="63500" marT="63500" marB="63500">
-                    <a:solidFill>
-                      <a:srgbClr val="EA9999"/>
-                    </a:solidFill>
-                  </a:tcPr>
-                </a:tc>
-                <a:extLst>
-                  <a:ext uri="{0D108BD9-81ED-4DB2-BD59-A6C34878D82A}">
-                    <a16:rowId xmlns:a16="http://schemas.microsoft.com/office/drawing/2014/main" val="10000"/>
-                  </a:ext>
-                </a:extLst>
-              </a:tr>
-            </a:tbl>
-          </a:graphicData>
-        </a:graphic>
-      </p:graphicFrame>
     </p:spTree>
     <p:extLst>
       <p:ext uri="{BB962C8B-B14F-4D97-AF65-F5344CB8AC3E}">
@@ -7866,20 +7840,20 @@
 </file>
 
 <file path=customXml/item1.xml><?xml version="1.0" encoding="utf-8"?>
-<p:properties xmlns:p="http://schemas.microsoft.com/office/2006/metadata/properties" xmlns:xsi="http://www.w3.org/2001/XMLSchema-instance" xmlns:pc="http://schemas.microsoft.com/office/infopath/2007/PartnerControls">
-  <documentManagement>
-    <ReferenceId xmlns="e38b8155-5114-47b0-a9fa-eb229fbfe015" xsi:nil="true"/>
-  </documentManagement>
-</p:properties>
-</file>
-
-<file path=customXml/item2.xml><?xml version="1.0" encoding="utf-8"?>
 <?mso-contentType ?>
 <FormTemplates xmlns="http://schemas.microsoft.com/sharepoint/v3/contenttype/forms">
   <Display>DocumentLibraryForm</Display>
   <Edit>DocumentLibraryForm</Edit>
   <New>DocumentLibraryForm</New>
 </FormTemplates>
+</file>
+
+<file path=customXml/item2.xml><?xml version="1.0" encoding="utf-8"?>
+<p:properties xmlns:p="http://schemas.microsoft.com/office/2006/metadata/properties" xmlns:xsi="http://www.w3.org/2001/XMLSchema-instance" xmlns:pc="http://schemas.microsoft.com/office/infopath/2007/PartnerControls">
+  <documentManagement>
+    <ReferenceId xmlns="e38b8155-5114-47b0-a9fa-eb229fbfe015" xsi:nil="true"/>
+  </documentManagement>
+</p:properties>
 </file>
 
 <file path=customXml/item3.xml><?xml version="1.0" encoding="utf-8"?>
@@ -8009,19 +7983,19 @@
 </file>
 
 <file path=customXml/itemProps1.xml><?xml version="1.0" encoding="utf-8"?>
+<ds:datastoreItem xmlns:ds="http://schemas.openxmlformats.org/officeDocument/2006/customXml" ds:itemID="{850509B3-B737-4CBB-82EF-E3EDD3E90B92}">
+  <ds:schemaRefs>
+    <ds:schemaRef ds:uri="http://schemas.microsoft.com/sharepoint/v3/contenttype/forms"/>
+  </ds:schemaRefs>
+</ds:datastoreItem>
+</file>
+
+<file path=customXml/itemProps2.xml><?xml version="1.0" encoding="utf-8"?>
 <ds:datastoreItem xmlns:ds="http://schemas.openxmlformats.org/officeDocument/2006/customXml" ds:itemID="{DA46E379-F785-4EC3-9D7D-4625EC2D6FE4}">
   <ds:schemaRefs>
     <ds:schemaRef ds:uri="http://schemas.microsoft.com/office/2006/metadata/properties"/>
     <ds:schemaRef ds:uri="http://schemas.microsoft.com/office/infopath/2007/PartnerControls"/>
     <ds:schemaRef ds:uri="e38b8155-5114-47b0-a9fa-eb229fbfe015"/>
-  </ds:schemaRefs>
-</ds:datastoreItem>
-</file>
-
-<file path=customXml/itemProps2.xml><?xml version="1.0" encoding="utf-8"?>
-<ds:datastoreItem xmlns:ds="http://schemas.openxmlformats.org/officeDocument/2006/customXml" ds:itemID="{850509B3-B737-4CBB-82EF-E3EDD3E90B92}">
-  <ds:schemaRefs>
-    <ds:schemaRef ds:uri="http://schemas.microsoft.com/sharepoint/v3/contenttype/forms"/>
   </ds:schemaRefs>
 </ds:datastoreItem>
 </file>

--- a/2.7 and 2.8 Documentation Template .pptx
+++ b/2.7 and 2.8 Documentation Template .pptx
@@ -129,7 +129,7 @@
 <file path=ppt/revisionInfo.xml><?xml version="1.0" encoding="utf-8"?>
 <p1510:revInfo xmlns:a="http://schemas.openxmlformats.org/drawingml/2006/main" xmlns:r="http://schemas.openxmlformats.org/officeDocument/2006/relationships" xmlns:p1510="http://schemas.microsoft.com/office/powerpoint/2015/10/main">
   <p1510:revLst>
-    <p1510:client id="{1A2AD167-03BD-4192-8625-971A44F5C939}" v="7" dt="2024-03-27T01:24:27.306"/>
+    <p1510:client id="{1A2AD167-03BD-4192-8625-971A44F5C939}" v="18" dt="2024-04-03T01:07:55.011"/>
   </p1510:revLst>
 </p1510:revInfo>
 </file>
@@ -139,7 +139,7 @@
   <pc:docChgLst>
     <pc:chgData name="Thomas Xu" userId="72a40c57-58f8-4deb-8f71-c52d4941dc1d" providerId="ADAL" clId="{1A2AD167-03BD-4192-8625-971A44F5C939}"/>
     <pc:docChg chg="undo custSel modSld">
-      <pc:chgData name="Thomas Xu" userId="72a40c57-58f8-4deb-8f71-c52d4941dc1d" providerId="ADAL" clId="{1A2AD167-03BD-4192-8625-971A44F5C939}" dt="2024-03-27T01:25:11.070" v="163" actId="113"/>
+      <pc:chgData name="Thomas Xu" userId="72a40c57-58f8-4deb-8f71-c52d4941dc1d" providerId="ADAL" clId="{1A2AD167-03BD-4192-8625-971A44F5C939}" dt="2024-04-03T01:06:47.566" v="228" actId="3626"/>
       <pc:docMkLst>
         <pc:docMk/>
       </pc:docMkLst>
@@ -167,7 +167,7 @@
         </pc:spChg>
       </pc:sldChg>
       <pc:sldChg chg="addSp delSp modSp mod">
-        <pc:chgData name="Thomas Xu" userId="72a40c57-58f8-4deb-8f71-c52d4941dc1d" providerId="ADAL" clId="{1A2AD167-03BD-4192-8625-971A44F5C939}" dt="2024-03-27T01:24:26.367" v="127"/>
+        <pc:chgData name="Thomas Xu" userId="72a40c57-58f8-4deb-8f71-c52d4941dc1d" providerId="ADAL" clId="{1A2AD167-03BD-4192-8625-971A44F5C939}" dt="2024-04-03T01:06:47.566" v="228" actId="3626"/>
         <pc:sldMkLst>
           <pc:docMk/>
           <pc:sldMk cId="3838895173" sldId="258"/>
@@ -180,6 +180,14 @@
             <ac:spMk id="2" creationId="{0D168B5A-EFF4-4803-8DA6-5994B306EBAF}"/>
           </ac:spMkLst>
         </pc:spChg>
+        <pc:spChg chg="add del">
+          <ac:chgData name="Thomas Xu" userId="72a40c57-58f8-4deb-8f71-c52d4941dc1d" providerId="ADAL" clId="{1A2AD167-03BD-4192-8625-971A44F5C939}" dt="2024-04-03T01:05:53.411" v="226" actId="21"/>
+          <ac:spMkLst>
+            <pc:docMk/>
+            <pc:sldMk cId="3838895173" sldId="258"/>
+            <ac:spMk id="3" creationId="{93179894-A298-49A1-48D9-9B9573FEE77C}"/>
+          </ac:spMkLst>
+        </pc:spChg>
         <pc:spChg chg="add">
           <ac:chgData name="Thomas Xu" userId="72a40c57-58f8-4deb-8f71-c52d4941dc1d" providerId="ADAL" clId="{1A2AD167-03BD-4192-8625-971A44F5C939}" dt="2024-03-27T01:22:25.647" v="56"/>
           <ac:spMkLst>
@@ -189,7 +197,7 @@
           </ac:spMkLst>
         </pc:spChg>
         <pc:spChg chg="mod">
-          <ac:chgData name="Thomas Xu" userId="72a40c57-58f8-4deb-8f71-c52d4941dc1d" providerId="ADAL" clId="{1A2AD167-03BD-4192-8625-971A44F5C939}" dt="2024-03-27T01:24:21.263" v="126" actId="20577"/>
+          <ac:chgData name="Thomas Xu" userId="72a40c57-58f8-4deb-8f71-c52d4941dc1d" providerId="ADAL" clId="{1A2AD167-03BD-4192-8625-971A44F5C939}" dt="2024-04-03T01:06:47.566" v="228" actId="3626"/>
           <ac:spMkLst>
             <pc:docMk/>
             <pc:sldMk cId="3838895173" sldId="258"/>
@@ -229,6 +237,21 @@
           </ac:graphicFrameMkLst>
         </pc:graphicFrameChg>
       </pc:sldChg>
+      <pc:sldChg chg="modSp mod">
+        <pc:chgData name="Thomas Xu" userId="72a40c57-58f8-4deb-8f71-c52d4941dc1d" providerId="ADAL" clId="{1A2AD167-03BD-4192-8625-971A44F5C939}" dt="2024-04-03T00:48:40.234" v="224" actId="20577"/>
+        <pc:sldMkLst>
+          <pc:docMk/>
+          <pc:sldMk cId="975627948" sldId="272"/>
+        </pc:sldMkLst>
+        <pc:graphicFrameChg chg="mod modGraphic">
+          <ac:chgData name="Thomas Xu" userId="72a40c57-58f8-4deb-8f71-c52d4941dc1d" providerId="ADAL" clId="{1A2AD167-03BD-4192-8625-971A44F5C939}" dt="2024-04-03T00:48:40.234" v="224" actId="20577"/>
+          <ac:graphicFrameMkLst>
+            <pc:docMk/>
+            <pc:sldMk cId="975627948" sldId="272"/>
+            <ac:graphicFrameMk id="6" creationId="{A02ECB3F-5E1A-4602-8844-49609D54ADF8}"/>
+          </ac:graphicFrameMkLst>
+        </pc:graphicFrameChg>
+      </pc:sldChg>
     </pc:docChg>
   </pc:docChgLst>
 </pc:chgInfo>
@@ -316,7 +339,7 @@
           <a:p>
             <a:fld id="{F37D28C0-BEB6-42B0-A203-EEE1023219C4}" type="datetimeFigureOut">
               <a:rPr lang="en-NZ" smtClean="0"/>
-              <a:t>27/03/2024</a:t>
+              <a:t>3/04/2024</a:t>
             </a:fld>
             <a:endParaRPr lang="en-NZ"/>
           </a:p>
@@ -1717,7 +1740,7 @@
           <a:p>
             <a:fld id="{9C4A4F43-1C06-40E6-8F87-8B286982E50E}" type="datetimeFigureOut">
               <a:rPr lang="en-NZ" smtClean="0"/>
-              <a:t>27/03/2024</a:t>
+              <a:t>3/04/2024</a:t>
             </a:fld>
             <a:endParaRPr lang="en-NZ" dirty="0"/>
           </a:p>
@@ -1917,7 +1940,7 @@
           <a:p>
             <a:fld id="{9C4A4F43-1C06-40E6-8F87-8B286982E50E}" type="datetimeFigureOut">
               <a:rPr lang="en-NZ" smtClean="0"/>
-              <a:t>27/03/2024</a:t>
+              <a:t>3/04/2024</a:t>
             </a:fld>
             <a:endParaRPr lang="en-NZ" dirty="0"/>
           </a:p>
@@ -2127,7 +2150,7 @@
           <a:p>
             <a:fld id="{9C4A4F43-1C06-40E6-8F87-8B286982E50E}" type="datetimeFigureOut">
               <a:rPr lang="en-NZ" smtClean="0"/>
-              <a:t>27/03/2024</a:t>
+              <a:t>3/04/2024</a:t>
             </a:fld>
             <a:endParaRPr lang="en-NZ" dirty="0"/>
           </a:p>
@@ -2686,7 +2709,7 @@
           <a:p>
             <a:fld id="{9C4A4F43-1C06-40E6-8F87-8B286982E50E}" type="datetimeFigureOut">
               <a:rPr lang="en-NZ" smtClean="0"/>
-              <a:t>27/03/2024</a:t>
+              <a:t>3/04/2024</a:t>
             </a:fld>
             <a:endParaRPr lang="en-NZ" dirty="0"/>
           </a:p>
@@ -2962,7 +2985,7 @@
           <a:p>
             <a:fld id="{9C4A4F43-1C06-40E6-8F87-8B286982E50E}" type="datetimeFigureOut">
               <a:rPr lang="en-NZ" smtClean="0"/>
-              <a:t>27/03/2024</a:t>
+              <a:t>3/04/2024</a:t>
             </a:fld>
             <a:endParaRPr lang="en-NZ" dirty="0"/>
           </a:p>
@@ -3230,7 +3253,7 @@
           <a:p>
             <a:fld id="{9C4A4F43-1C06-40E6-8F87-8B286982E50E}" type="datetimeFigureOut">
               <a:rPr lang="en-NZ" smtClean="0"/>
-              <a:t>27/03/2024</a:t>
+              <a:t>3/04/2024</a:t>
             </a:fld>
             <a:endParaRPr lang="en-NZ" dirty="0"/>
           </a:p>
@@ -3645,7 +3668,7 @@
           <a:p>
             <a:fld id="{9C4A4F43-1C06-40E6-8F87-8B286982E50E}" type="datetimeFigureOut">
               <a:rPr lang="en-NZ" smtClean="0"/>
-              <a:t>27/03/2024</a:t>
+              <a:t>3/04/2024</a:t>
             </a:fld>
             <a:endParaRPr lang="en-NZ" dirty="0"/>
           </a:p>
@@ -3787,7 +3810,7 @@
           <a:p>
             <a:fld id="{9C4A4F43-1C06-40E6-8F87-8B286982E50E}" type="datetimeFigureOut">
               <a:rPr lang="en-NZ" smtClean="0"/>
-              <a:t>27/03/2024</a:t>
+              <a:t>3/04/2024</a:t>
             </a:fld>
             <a:endParaRPr lang="en-NZ" dirty="0"/>
           </a:p>
@@ -3900,7 +3923,7 @@
           <a:p>
             <a:fld id="{9C4A4F43-1C06-40E6-8F87-8B286982E50E}" type="datetimeFigureOut">
               <a:rPr lang="en-NZ" smtClean="0"/>
-              <a:t>27/03/2024</a:t>
+              <a:t>3/04/2024</a:t>
             </a:fld>
             <a:endParaRPr lang="en-NZ" dirty="0"/>
           </a:p>
@@ -4213,7 +4236,7 @@
           <a:p>
             <a:fld id="{9C4A4F43-1C06-40E6-8F87-8B286982E50E}" type="datetimeFigureOut">
               <a:rPr lang="en-NZ" smtClean="0"/>
-              <a:t>27/03/2024</a:t>
+              <a:t>3/04/2024</a:t>
             </a:fld>
             <a:endParaRPr lang="en-NZ" dirty="0"/>
           </a:p>
@@ -4502,7 +4525,7 @@
           <a:p>
             <a:fld id="{9C4A4F43-1C06-40E6-8F87-8B286982E50E}" type="datetimeFigureOut">
               <a:rPr lang="en-NZ" smtClean="0"/>
-              <a:t>27/03/2024</a:t>
+              <a:t>3/04/2024</a:t>
             </a:fld>
             <a:endParaRPr lang="en-NZ" dirty="0"/>
           </a:p>
@@ -4745,7 +4768,7 @@
           <a:p>
             <a:fld id="{9C4A4F43-1C06-40E6-8F87-8B286982E50E}" type="datetimeFigureOut">
               <a:rPr lang="en-NZ" smtClean="0"/>
-              <a:t>27/03/2024</a:t>
+              <a:t>3/04/2024</a:t>
             </a:fld>
             <a:endParaRPr lang="en-NZ" dirty="0"/>
           </a:p>
@@ -6025,7 +6048,24 @@
                   <a:srgbClr val="274E13"/>
                 </a:solidFill>
               </a:rPr>
-              <a:t>[https://middletonschoolnzmy.sharepoint.com/:f:/g/personal/xut2_middleton_school_nz/Enii4MCCLIlDkVrJsVz0hRAB6lpRNIjeu53b8AvbJYsupA?email=P.Baker%40middleton.school.nz&amp;e=dIz73Y]</a:t>
+              <a:t>[</a:t>
+            </a:r>
+            <a:r>
+              <a:rPr lang="en-NZ" sz="2000" b="1" dirty="0">
+                <a:solidFill>
+                  <a:srgbClr val="274E13"/>
+                </a:solidFill>
+                <a:hlinkClick r:id="rId2"/>
+              </a:rPr>
+              <a:t>https://middletonschoolnzmy.sharepoint.com/:f:/g/personal/xut2_middleton_school_nz/Enii4MCCLIlDkVrJsVz0hRAB6lpRNIjeu53b8AvbJYsupA?email=P.Baker%40middleton.school.nz&amp;e=dIz73Y</a:t>
+            </a:r>
+            <a:r>
+              <a:rPr lang="en-NZ" sz="2000" b="1" dirty="0">
+                <a:solidFill>
+                  <a:srgbClr val="274E13"/>
+                </a:solidFill>
+              </a:rPr>
+              <a:t>]</a:t>
             </a:r>
           </a:p>
           <a:p>
@@ -6088,7 +6128,24 @@
                   <a:srgbClr val="274E13"/>
                 </a:solidFill>
               </a:rPr>
-              <a:t>Links to Trello board / project management tools: [https://trello.com/invite/b/FhtI14HZ/ATTIb9b8e9e667a0a7e4b64882e5e66f98628483FCFD/burger-menu-combos]</a:t>
+              <a:t>Links to Trello board / project management tools: [</a:t>
+            </a:r>
+            <a:r>
+              <a:rPr lang="en-NZ" sz="2000" b="1" dirty="0">
+                <a:solidFill>
+                  <a:srgbClr val="274E13"/>
+                </a:solidFill>
+                <a:hlinkClick r:id="rId3"/>
+              </a:rPr>
+              <a:t>https://trello.com/invite/b/FhtI14HZ/ATTIb9b8e9e667a0a7e4b64882e5e66f98628483FCFD/burger-menu-combos</a:t>
+            </a:r>
+            <a:r>
+              <a:rPr lang="en-NZ" sz="2000" b="1" dirty="0">
+                <a:solidFill>
+                  <a:srgbClr val="274E13"/>
+                </a:solidFill>
+              </a:rPr>
+              <a:t>]</a:t>
             </a:r>
           </a:p>
           <a:p>
@@ -6300,14 +6357,14 @@
           <p:nvPr>
             <p:extLst>
               <p:ext uri="{D42A27DB-BD31-4B8C-83A1-F6EECF244321}">
-                <p14:modId xmlns:p14="http://schemas.microsoft.com/office/powerpoint/2010/main" val="2310723820"/>
+                <p14:modId xmlns:p14="http://schemas.microsoft.com/office/powerpoint/2010/main" val="3544204288"/>
               </p:ext>
             </p:extLst>
           </p:nvPr>
         </p:nvGraphicFramePr>
         <p:xfrm>
           <a:off x="589280" y="1574800"/>
-          <a:ext cx="10515600" cy="1854200"/>
+          <a:ext cx="10515600" cy="1483360"/>
         </p:xfrm>
         <a:graphic>
           <a:graphicData uri="http://schemas.openxmlformats.org/drawingml/2006/table">
@@ -6375,7 +6432,10 @@
                     <a:bodyPr/>
                     <a:lstStyle/>
                     <a:p>
-                      <a:endParaRPr lang="en-NZ" dirty="0"/>
+                      <a:r>
+                        <a:rPr lang="en-NZ" dirty="0"/>
+                        <a:t>Functionality</a:t>
+                      </a:r>
                     </a:p>
                   </a:txBody>
                   <a:tcPr/>
@@ -6402,7 +6462,10 @@
                     <a:bodyPr/>
                     <a:lstStyle/>
                     <a:p>
-                      <a:endParaRPr lang="en-NZ" dirty="0"/>
+                      <a:r>
+                        <a:rPr lang="en-NZ" dirty="0"/>
+                        <a:t>Usability</a:t>
+                      </a:r>
                     </a:p>
                   </a:txBody>
                   <a:tcPr/>
@@ -6429,7 +6492,10 @@
                     <a:bodyPr/>
                     <a:lstStyle/>
                     <a:p>
-                      <a:endParaRPr lang="en-NZ" dirty="0"/>
+                      <a:r>
+                        <a:rPr lang="en-NZ" dirty="0"/>
+                        <a:t>Accessibility</a:t>
+                      </a:r>
                     </a:p>
                   </a:txBody>
                   <a:tcPr/>
@@ -6447,33 +6513,6 @@
                 <a:extLst>
                   <a:ext uri="{0D108BD9-81ED-4DB2-BD59-A6C34878D82A}">
                     <a16:rowId xmlns:a16="http://schemas.microsoft.com/office/drawing/2014/main" val="1686164491"/>
-                  </a:ext>
-                </a:extLst>
-              </a:tr>
-              <a:tr h="370840">
-                <a:tc>
-                  <a:txBody>
-                    <a:bodyPr/>
-                    <a:lstStyle/>
-                    <a:p>
-                      <a:endParaRPr lang="en-NZ" dirty="0"/>
-                    </a:p>
-                  </a:txBody>
-                  <a:tcPr/>
-                </a:tc>
-                <a:tc>
-                  <a:txBody>
-                    <a:bodyPr/>
-                    <a:lstStyle/>
-                    <a:p>
-                      <a:endParaRPr lang="en-NZ" dirty="0"/>
-                    </a:p>
-                  </a:txBody>
-                  <a:tcPr/>
-                </a:tc>
-                <a:extLst>
-                  <a:ext uri="{0D108BD9-81ED-4DB2-BD59-A6C34878D82A}">
-                    <a16:rowId xmlns:a16="http://schemas.microsoft.com/office/drawing/2014/main" val="1038612699"/>
                   </a:ext>
                 </a:extLst>
               </a:tr>
@@ -7840,20 +7879,20 @@
 </file>
 
 <file path=customXml/item1.xml><?xml version="1.0" encoding="utf-8"?>
+<p:properties xmlns:p="http://schemas.microsoft.com/office/2006/metadata/properties" xmlns:xsi="http://www.w3.org/2001/XMLSchema-instance" xmlns:pc="http://schemas.microsoft.com/office/infopath/2007/PartnerControls">
+  <documentManagement>
+    <ReferenceId xmlns="e38b8155-5114-47b0-a9fa-eb229fbfe015" xsi:nil="true"/>
+  </documentManagement>
+</p:properties>
+</file>
+
+<file path=customXml/item2.xml><?xml version="1.0" encoding="utf-8"?>
 <?mso-contentType ?>
 <FormTemplates xmlns="http://schemas.microsoft.com/sharepoint/v3/contenttype/forms">
   <Display>DocumentLibraryForm</Display>
   <Edit>DocumentLibraryForm</Edit>
   <New>DocumentLibraryForm</New>
 </FormTemplates>
-</file>
-
-<file path=customXml/item2.xml><?xml version="1.0" encoding="utf-8"?>
-<p:properties xmlns:p="http://schemas.microsoft.com/office/2006/metadata/properties" xmlns:xsi="http://www.w3.org/2001/XMLSchema-instance" xmlns:pc="http://schemas.microsoft.com/office/infopath/2007/PartnerControls">
-  <documentManagement>
-    <ReferenceId xmlns="e38b8155-5114-47b0-a9fa-eb229fbfe015" xsi:nil="true"/>
-  </documentManagement>
-</p:properties>
 </file>
 
 <file path=customXml/item3.xml><?xml version="1.0" encoding="utf-8"?>
@@ -7983,19 +8022,19 @@
 </file>
 
 <file path=customXml/itemProps1.xml><?xml version="1.0" encoding="utf-8"?>
-<ds:datastoreItem xmlns:ds="http://schemas.openxmlformats.org/officeDocument/2006/customXml" ds:itemID="{850509B3-B737-4CBB-82EF-E3EDD3E90B92}">
+<ds:datastoreItem xmlns:ds="http://schemas.openxmlformats.org/officeDocument/2006/customXml" ds:itemID="{DA46E379-F785-4EC3-9D7D-4625EC2D6FE4}">
   <ds:schemaRefs>
-    <ds:schemaRef ds:uri="http://schemas.microsoft.com/sharepoint/v3/contenttype/forms"/>
+    <ds:schemaRef ds:uri="http://schemas.microsoft.com/office/2006/metadata/properties"/>
+    <ds:schemaRef ds:uri="http://schemas.microsoft.com/office/infopath/2007/PartnerControls"/>
+    <ds:schemaRef ds:uri="e38b8155-5114-47b0-a9fa-eb229fbfe015"/>
   </ds:schemaRefs>
 </ds:datastoreItem>
 </file>
 
 <file path=customXml/itemProps2.xml><?xml version="1.0" encoding="utf-8"?>
-<ds:datastoreItem xmlns:ds="http://schemas.openxmlformats.org/officeDocument/2006/customXml" ds:itemID="{DA46E379-F785-4EC3-9D7D-4625EC2D6FE4}">
+<ds:datastoreItem xmlns:ds="http://schemas.openxmlformats.org/officeDocument/2006/customXml" ds:itemID="{850509B3-B737-4CBB-82EF-E3EDD3E90B92}">
   <ds:schemaRefs>
-    <ds:schemaRef ds:uri="http://schemas.microsoft.com/office/2006/metadata/properties"/>
-    <ds:schemaRef ds:uri="http://schemas.microsoft.com/office/infopath/2007/PartnerControls"/>
-    <ds:schemaRef ds:uri="e38b8155-5114-47b0-a9fa-eb229fbfe015"/>
+    <ds:schemaRef ds:uri="http://schemas.microsoft.com/sharepoint/v3/contenttype/forms"/>
   </ds:schemaRefs>
 </ds:datastoreItem>
 </file>

--- a/2.7 and 2.8 Documentation Template .pptx
+++ b/2.7 and 2.8 Documentation Template .pptx
@@ -129,7 +129,7 @@
 <file path=ppt/revisionInfo.xml><?xml version="1.0" encoding="utf-8"?>
 <p1510:revInfo xmlns:a="http://schemas.openxmlformats.org/drawingml/2006/main" xmlns:r="http://schemas.openxmlformats.org/officeDocument/2006/relationships" xmlns:p1510="http://schemas.microsoft.com/office/powerpoint/2015/10/main">
   <p1510:revLst>
-    <p1510:client id="{1A2AD167-03BD-4192-8625-971A44F5C939}" v="18" dt="2024-04-03T01:07:55.011"/>
+    <p1510:client id="{1A2AD167-03BD-4192-8625-971A44F5C939}" v="19" dt="2024-04-07T23:06:11.508"/>
   </p1510:revLst>
 </p1510:revInfo>
 </file>
@@ -139,7 +139,7 @@
   <pc:docChgLst>
     <pc:chgData name="Thomas Xu" userId="72a40c57-58f8-4deb-8f71-c52d4941dc1d" providerId="ADAL" clId="{1A2AD167-03BD-4192-8625-971A44F5C939}"/>
     <pc:docChg chg="undo custSel modSld">
-      <pc:chgData name="Thomas Xu" userId="72a40c57-58f8-4deb-8f71-c52d4941dc1d" providerId="ADAL" clId="{1A2AD167-03BD-4192-8625-971A44F5C939}" dt="2024-04-03T01:06:47.566" v="228" actId="3626"/>
+      <pc:chgData name="Thomas Xu" userId="72a40c57-58f8-4deb-8f71-c52d4941dc1d" providerId="ADAL" clId="{1A2AD167-03BD-4192-8625-971A44F5C939}" dt="2024-04-09T02:36:52.083" v="496" actId="20577"/>
       <pc:docMkLst>
         <pc:docMk/>
       </pc:docMkLst>
@@ -167,7 +167,7 @@
         </pc:spChg>
       </pc:sldChg>
       <pc:sldChg chg="addSp delSp modSp mod">
-        <pc:chgData name="Thomas Xu" userId="72a40c57-58f8-4deb-8f71-c52d4941dc1d" providerId="ADAL" clId="{1A2AD167-03BD-4192-8625-971A44F5C939}" dt="2024-04-03T01:06:47.566" v="228" actId="3626"/>
+        <pc:chgData name="Thomas Xu" userId="72a40c57-58f8-4deb-8f71-c52d4941dc1d" providerId="ADAL" clId="{1A2AD167-03BD-4192-8625-971A44F5C939}" dt="2024-04-08T22:29:24.706" v="233"/>
         <pc:sldMkLst>
           <pc:docMk/>
           <pc:sldMk cId="3838895173" sldId="258"/>
@@ -197,7 +197,7 @@
           </ac:spMkLst>
         </pc:spChg>
         <pc:spChg chg="mod">
-          <ac:chgData name="Thomas Xu" userId="72a40c57-58f8-4deb-8f71-c52d4941dc1d" providerId="ADAL" clId="{1A2AD167-03BD-4192-8625-971A44F5C939}" dt="2024-04-03T01:06:47.566" v="228" actId="3626"/>
+          <ac:chgData name="Thomas Xu" userId="72a40c57-58f8-4deb-8f71-c52d4941dc1d" providerId="ADAL" clId="{1A2AD167-03BD-4192-8625-971A44F5C939}" dt="2024-04-08T22:29:24.706" v="233"/>
           <ac:spMkLst>
             <pc:docMk/>
             <pc:sldMk cId="3838895173" sldId="258"/>
@@ -237,14 +237,131 @@
           </ac:graphicFrameMkLst>
         </pc:graphicFrameChg>
       </pc:sldChg>
+      <pc:sldChg chg="addSp delSp modSp mod setBg">
+        <pc:chgData name="Thomas Xu" userId="72a40c57-58f8-4deb-8f71-c52d4941dc1d" providerId="ADAL" clId="{1A2AD167-03BD-4192-8625-971A44F5C939}" dt="2024-04-09T02:31:43.047" v="294" actId="22"/>
+        <pc:sldMkLst>
+          <pc:docMk/>
+          <pc:sldMk cId="3760331451" sldId="260"/>
+        </pc:sldMkLst>
+        <pc:spChg chg="mod">
+          <ac:chgData name="Thomas Xu" userId="72a40c57-58f8-4deb-8f71-c52d4941dc1d" providerId="ADAL" clId="{1A2AD167-03BD-4192-8625-971A44F5C939}" dt="2024-04-09T02:29:04.276" v="269" actId="20577"/>
+          <ac:spMkLst>
+            <pc:docMk/>
+            <pc:sldMk cId="3760331451" sldId="260"/>
+            <ac:spMk id="2" creationId="{321F8E66-F9B8-4062-8E8D-D5ADB11625DA}"/>
+          </ac:spMkLst>
+        </pc:spChg>
+        <pc:spChg chg="mod ord">
+          <ac:chgData name="Thomas Xu" userId="72a40c57-58f8-4deb-8f71-c52d4941dc1d" providerId="ADAL" clId="{1A2AD167-03BD-4192-8625-971A44F5C939}" dt="2024-04-08T23:19:17.557" v="255" actId="26606"/>
+          <ac:spMkLst>
+            <pc:docMk/>
+            <pc:sldMk cId="3760331451" sldId="260"/>
+            <ac:spMk id="4" creationId="{937BF58F-E358-4625-919F-7C3D6EEBA8FB}"/>
+          </ac:spMkLst>
+        </pc:spChg>
+        <pc:spChg chg="add mod">
+          <ac:chgData name="Thomas Xu" userId="72a40c57-58f8-4deb-8f71-c52d4941dc1d" providerId="ADAL" clId="{1A2AD167-03BD-4192-8625-971A44F5C939}" dt="2024-04-09T02:29:11.903" v="272" actId="14100"/>
+          <ac:spMkLst>
+            <pc:docMk/>
+            <pc:sldMk cId="3760331451" sldId="260"/>
+            <ac:spMk id="6" creationId="{015F61DA-23A5-D3C0-05EB-98666F03A294}"/>
+          </ac:spMkLst>
+        </pc:spChg>
+        <pc:spChg chg="add del">
+          <ac:chgData name="Thomas Xu" userId="72a40c57-58f8-4deb-8f71-c52d4941dc1d" providerId="ADAL" clId="{1A2AD167-03BD-4192-8625-971A44F5C939}" dt="2024-04-08T23:19:17.557" v="255" actId="26606"/>
+          <ac:spMkLst>
+            <pc:docMk/>
+            <pc:sldMk cId="3760331451" sldId="260"/>
+            <ac:spMk id="12" creationId="{8761DDFE-071F-4200-B0AA-394476C2D2D6}"/>
+          </ac:spMkLst>
+        </pc:spChg>
+        <pc:spChg chg="add">
+          <ac:chgData name="Thomas Xu" userId="72a40c57-58f8-4deb-8f71-c52d4941dc1d" providerId="ADAL" clId="{1A2AD167-03BD-4192-8625-971A44F5C939}" dt="2024-04-08T23:19:17.557" v="255" actId="26606"/>
+          <ac:spMkLst>
+            <pc:docMk/>
+            <pc:sldMk cId="3760331451" sldId="260"/>
+            <ac:spMk id="17" creationId="{99ED5833-B85B-4103-8A3B-CAB0308E6C15}"/>
+          </ac:spMkLst>
+        </pc:spChg>
+        <pc:picChg chg="add del mod">
+          <ac:chgData name="Thomas Xu" userId="72a40c57-58f8-4deb-8f71-c52d4941dc1d" providerId="ADAL" clId="{1A2AD167-03BD-4192-8625-971A44F5C939}" dt="2024-04-09T02:30:14.531" v="293" actId="478"/>
+          <ac:picMkLst>
+            <pc:docMk/>
+            <pc:sldMk cId="3760331451" sldId="260"/>
+            <ac:picMk id="5" creationId="{4B35EEA2-D35A-3169-8F6A-9D4ADBF3228E}"/>
+          </ac:picMkLst>
+        </pc:picChg>
+        <pc:picChg chg="add del mod">
+          <ac:chgData name="Thomas Xu" userId="72a40c57-58f8-4deb-8f71-c52d4941dc1d" providerId="ADAL" clId="{1A2AD167-03BD-4192-8625-971A44F5C939}" dt="2024-04-09T02:30:13.908" v="292" actId="478"/>
+          <ac:picMkLst>
+            <pc:docMk/>
+            <pc:sldMk cId="3760331451" sldId="260"/>
+            <ac:picMk id="7" creationId="{351D02E6-705A-5C21-8A82-061FB443BDC4}"/>
+          </ac:picMkLst>
+        </pc:picChg>
+        <pc:picChg chg="add">
+          <ac:chgData name="Thomas Xu" userId="72a40c57-58f8-4deb-8f71-c52d4941dc1d" providerId="ADAL" clId="{1A2AD167-03BD-4192-8625-971A44F5C939}" dt="2024-04-09T02:31:43.047" v="294" actId="22"/>
+          <ac:picMkLst>
+            <pc:docMk/>
+            <pc:sldMk cId="3760331451" sldId="260"/>
+            <ac:picMk id="9" creationId="{1AB66C2C-066A-5111-B39F-C9B92EDFD759}"/>
+          </ac:picMkLst>
+        </pc:picChg>
+      </pc:sldChg>
+      <pc:sldChg chg="addSp modSp mod">
+        <pc:chgData name="Thomas Xu" userId="72a40c57-58f8-4deb-8f71-c52d4941dc1d" providerId="ADAL" clId="{1A2AD167-03BD-4192-8625-971A44F5C939}" dt="2024-04-09T02:33:02.972" v="353" actId="1076"/>
+        <pc:sldMkLst>
+          <pc:docMk/>
+          <pc:sldMk cId="0" sldId="268"/>
+        </pc:sldMkLst>
+        <pc:spChg chg="mod">
+          <ac:chgData name="Thomas Xu" userId="72a40c57-58f8-4deb-8f71-c52d4941dc1d" providerId="ADAL" clId="{1A2AD167-03BD-4192-8625-971A44F5C939}" dt="2024-04-09T02:30:09.136" v="291" actId="20577"/>
+          <ac:spMkLst>
+            <pc:docMk/>
+            <pc:sldMk cId="0" sldId="268"/>
+            <ac:spMk id="86" creationId="{00000000-0000-0000-0000-000000000000}"/>
+          </ac:spMkLst>
+        </pc:spChg>
+        <pc:picChg chg="add mod">
+          <ac:chgData name="Thomas Xu" userId="72a40c57-58f8-4deb-8f71-c52d4941dc1d" providerId="ADAL" clId="{1A2AD167-03BD-4192-8625-971A44F5C939}" dt="2024-04-09T02:33:02.972" v="353" actId="1076"/>
+          <ac:picMkLst>
+            <pc:docMk/>
+            <pc:sldMk cId="0" sldId="268"/>
+            <ac:picMk id="3" creationId="{88F42C7A-5E3E-4389-FEA1-4C156DD3CE2F}"/>
+          </ac:picMkLst>
+        </pc:picChg>
+      </pc:sldChg>
       <pc:sldChg chg="modSp mod">
-        <pc:chgData name="Thomas Xu" userId="72a40c57-58f8-4deb-8f71-c52d4941dc1d" providerId="ADAL" clId="{1A2AD167-03BD-4192-8625-971A44F5C939}" dt="2024-04-03T00:48:40.234" v="224" actId="20577"/>
+        <pc:chgData name="Thomas Xu" userId="72a40c57-58f8-4deb-8f71-c52d4941dc1d" providerId="ADAL" clId="{1A2AD167-03BD-4192-8625-971A44F5C939}" dt="2024-04-09T02:36:52.083" v="496" actId="20577"/>
+        <pc:sldMkLst>
+          <pc:docMk/>
+          <pc:sldMk cId="0" sldId="269"/>
+        </pc:sldMkLst>
+        <pc:spChg chg="mod">
+          <ac:chgData name="Thomas Xu" userId="72a40c57-58f8-4deb-8f71-c52d4941dc1d" providerId="ADAL" clId="{1A2AD167-03BD-4192-8625-971A44F5C939}" dt="2024-04-09T02:32:50.225" v="352" actId="20577"/>
+          <ac:spMkLst>
+            <pc:docMk/>
+            <pc:sldMk cId="0" sldId="269"/>
+            <ac:spMk id="91" creationId="{00000000-0000-0000-0000-000000000000}"/>
+          </ac:spMkLst>
+        </pc:spChg>
+        <pc:graphicFrameChg chg="modGraphic">
+          <ac:chgData name="Thomas Xu" userId="72a40c57-58f8-4deb-8f71-c52d4941dc1d" providerId="ADAL" clId="{1A2AD167-03BD-4192-8625-971A44F5C939}" dt="2024-04-09T02:36:52.083" v="496" actId="20577"/>
+          <ac:graphicFrameMkLst>
+            <pc:docMk/>
+            <pc:sldMk cId="0" sldId="269"/>
+            <ac:graphicFrameMk id="92" creationId="{00000000-0000-0000-0000-000000000000}"/>
+          </ac:graphicFrameMkLst>
+        </pc:graphicFrameChg>
+      </pc:sldChg>
+      <pc:sldChg chg="modSp mod">
+        <pc:chgData name="Thomas Xu" userId="72a40c57-58f8-4deb-8f71-c52d4941dc1d" providerId="ADAL" clId="{1A2AD167-03BD-4192-8625-971A44F5C939}" dt="2024-04-07T23:06:11.508" v="231"/>
         <pc:sldMkLst>
           <pc:docMk/>
           <pc:sldMk cId="975627948" sldId="272"/>
         </pc:sldMkLst>
         <pc:graphicFrameChg chg="mod modGraphic">
-          <ac:chgData name="Thomas Xu" userId="72a40c57-58f8-4deb-8f71-c52d4941dc1d" providerId="ADAL" clId="{1A2AD167-03BD-4192-8625-971A44F5C939}" dt="2024-04-03T00:48:40.234" v="224" actId="20577"/>
+          <ac:chgData name="Thomas Xu" userId="72a40c57-58f8-4deb-8f71-c52d4941dc1d" providerId="ADAL" clId="{1A2AD167-03BD-4192-8625-971A44F5C939}" dt="2024-04-07T23:06:11.508" v="231"/>
           <ac:graphicFrameMkLst>
             <pc:docMk/>
             <pc:sldMk cId="975627948" sldId="272"/>
@@ -339,7 +456,7 @@
           <a:p>
             <a:fld id="{F37D28C0-BEB6-42B0-A203-EEE1023219C4}" type="datetimeFigureOut">
               <a:rPr lang="en-NZ" smtClean="0"/>
-              <a:t>3/04/2024</a:t>
+              <a:t>9/04/2024</a:t>
             </a:fld>
             <a:endParaRPr lang="en-NZ"/>
           </a:p>
@@ -1740,7 +1857,7 @@
           <a:p>
             <a:fld id="{9C4A4F43-1C06-40E6-8F87-8B286982E50E}" type="datetimeFigureOut">
               <a:rPr lang="en-NZ" smtClean="0"/>
-              <a:t>3/04/2024</a:t>
+              <a:t>9/04/2024</a:t>
             </a:fld>
             <a:endParaRPr lang="en-NZ" dirty="0"/>
           </a:p>
@@ -1940,7 +2057,7 @@
           <a:p>
             <a:fld id="{9C4A4F43-1C06-40E6-8F87-8B286982E50E}" type="datetimeFigureOut">
               <a:rPr lang="en-NZ" smtClean="0"/>
-              <a:t>3/04/2024</a:t>
+              <a:t>9/04/2024</a:t>
             </a:fld>
             <a:endParaRPr lang="en-NZ" dirty="0"/>
           </a:p>
@@ -2150,7 +2267,7 @@
           <a:p>
             <a:fld id="{9C4A4F43-1C06-40E6-8F87-8B286982E50E}" type="datetimeFigureOut">
               <a:rPr lang="en-NZ" smtClean="0"/>
-              <a:t>3/04/2024</a:t>
+              <a:t>9/04/2024</a:t>
             </a:fld>
             <a:endParaRPr lang="en-NZ" dirty="0"/>
           </a:p>
@@ -2709,7 +2826,7 @@
           <a:p>
             <a:fld id="{9C4A4F43-1C06-40E6-8F87-8B286982E50E}" type="datetimeFigureOut">
               <a:rPr lang="en-NZ" smtClean="0"/>
-              <a:t>3/04/2024</a:t>
+              <a:t>9/04/2024</a:t>
             </a:fld>
             <a:endParaRPr lang="en-NZ" dirty="0"/>
           </a:p>
@@ -2985,7 +3102,7 @@
           <a:p>
             <a:fld id="{9C4A4F43-1C06-40E6-8F87-8B286982E50E}" type="datetimeFigureOut">
               <a:rPr lang="en-NZ" smtClean="0"/>
-              <a:t>3/04/2024</a:t>
+              <a:t>9/04/2024</a:t>
             </a:fld>
             <a:endParaRPr lang="en-NZ" dirty="0"/>
           </a:p>
@@ -3253,7 +3370,7 @@
           <a:p>
             <a:fld id="{9C4A4F43-1C06-40E6-8F87-8B286982E50E}" type="datetimeFigureOut">
               <a:rPr lang="en-NZ" smtClean="0"/>
-              <a:t>3/04/2024</a:t>
+              <a:t>9/04/2024</a:t>
             </a:fld>
             <a:endParaRPr lang="en-NZ" dirty="0"/>
           </a:p>
@@ -3668,7 +3785,7 @@
           <a:p>
             <a:fld id="{9C4A4F43-1C06-40E6-8F87-8B286982E50E}" type="datetimeFigureOut">
               <a:rPr lang="en-NZ" smtClean="0"/>
-              <a:t>3/04/2024</a:t>
+              <a:t>9/04/2024</a:t>
             </a:fld>
             <a:endParaRPr lang="en-NZ" dirty="0"/>
           </a:p>
@@ -3810,7 +3927,7 @@
           <a:p>
             <a:fld id="{9C4A4F43-1C06-40E6-8F87-8B286982E50E}" type="datetimeFigureOut">
               <a:rPr lang="en-NZ" smtClean="0"/>
-              <a:t>3/04/2024</a:t>
+              <a:t>9/04/2024</a:t>
             </a:fld>
             <a:endParaRPr lang="en-NZ" dirty="0"/>
           </a:p>
@@ -3923,7 +4040,7 @@
           <a:p>
             <a:fld id="{9C4A4F43-1C06-40E6-8F87-8B286982E50E}" type="datetimeFigureOut">
               <a:rPr lang="en-NZ" smtClean="0"/>
-              <a:t>3/04/2024</a:t>
+              <a:t>9/04/2024</a:t>
             </a:fld>
             <a:endParaRPr lang="en-NZ" dirty="0"/>
           </a:p>
@@ -4236,7 +4353,7 @@
           <a:p>
             <a:fld id="{9C4A4F43-1C06-40E6-8F87-8B286982E50E}" type="datetimeFigureOut">
               <a:rPr lang="en-NZ" smtClean="0"/>
-              <a:t>3/04/2024</a:t>
+              <a:t>9/04/2024</a:t>
             </a:fld>
             <a:endParaRPr lang="en-NZ" dirty="0"/>
           </a:p>
@@ -4525,7 +4642,7 @@
           <a:p>
             <a:fld id="{9C4A4F43-1C06-40E6-8F87-8B286982E50E}" type="datetimeFigureOut">
               <a:rPr lang="en-NZ" smtClean="0"/>
-              <a:t>3/04/2024</a:t>
+              <a:t>9/04/2024</a:t>
             </a:fld>
             <a:endParaRPr lang="en-NZ" dirty="0"/>
           </a:p>
@@ -4768,7 +4885,7 @@
           <a:p>
             <a:fld id="{9C4A4F43-1C06-40E6-8F87-8B286982E50E}" type="datetimeFigureOut">
               <a:rPr lang="en-NZ" smtClean="0"/>
-              <a:t>3/04/2024</a:t>
+              <a:t>9/04/2024</a:t>
             </a:fld>
             <a:endParaRPr lang="en-NZ" dirty="0"/>
           </a:p>
@@ -6357,14 +6474,14 @@
           <p:nvPr>
             <p:extLst>
               <p:ext uri="{D42A27DB-BD31-4B8C-83A1-F6EECF244321}">
-                <p14:modId xmlns:p14="http://schemas.microsoft.com/office/powerpoint/2010/main" val="3544204288"/>
+                <p14:modId xmlns:p14="http://schemas.microsoft.com/office/powerpoint/2010/main" val="2137725121"/>
               </p:ext>
             </p:extLst>
           </p:nvPr>
         </p:nvGraphicFramePr>
         <p:xfrm>
           <a:off x="589280" y="1574800"/>
-          <a:ext cx="10515600" cy="1483360"/>
+          <a:ext cx="10515600" cy="4759960"/>
         </p:xfrm>
         <a:graphic>
           <a:graphicData uri="http://schemas.openxmlformats.org/drawingml/2006/table">
@@ -6409,13 +6526,8 @@
                     <a:p>
                       <a:r>
                         <a:rPr lang="en-NZ" dirty="0"/>
-                        <a:t>Explain the implication and say how it is relevant to </a:t>
+                        <a:t>Describe the implication and give an example</a:t>
                       </a:r>
-                      <a:r>
-                        <a:rPr lang="en-NZ"/>
-                        <a:t>this project</a:t>
-                      </a:r>
-                      <a:endParaRPr lang="en-NZ" dirty="0"/>
                     </a:p>
                   </a:txBody>
                   <a:tcPr/>
@@ -6434,7 +6546,7 @@
                     <a:p>
                       <a:r>
                         <a:rPr lang="en-NZ" dirty="0"/>
-                        <a:t>Functionality</a:t>
+                        <a:t>Functionally </a:t>
                       </a:r>
                     </a:p>
                   </a:txBody>
@@ -6445,6 +6557,10 @@
                     <a:bodyPr/>
                     <a:lstStyle/>
                     <a:p>
+                      <a:r>
+                        <a:rPr lang="en-GB" dirty="0"/>
+                        <a:t>Features are about making sure the program works as expected. It should work for expected, borderline and unexpected situations. For example, if my program asks the user how many rounds they want, it should work fine for expected input (like "2") or boundary input (like "1"), but if the user enters something invalid (like "0" or "0.5") "), it should not crash or "a"</a:t>
+                      </a:r>
                       <a:endParaRPr lang="en-NZ" dirty="0"/>
                     </a:p>
                   </a:txBody>
@@ -6464,7 +6580,7 @@
                     <a:p>
                       <a:r>
                         <a:rPr lang="en-NZ" dirty="0"/>
-                        <a:t>Usability</a:t>
+                        <a:t>usability</a:t>
                       </a:r>
                     </a:p>
                   </a:txBody>
@@ -6475,6 +6591,10 @@
                     <a:bodyPr/>
                     <a:lstStyle/>
                     <a:p>
+                      <a:r>
+                        <a:rPr lang="en-GB" dirty="0"/>
+                        <a:t>Usability is about how early the end user can get the program to do what it's supposed to do. It addresses issues such as making instructions and error messages legible and easy for users to understand. It is important to minimize or eliminate any frustration.</a:t>
+                      </a:r>
                       <a:endParaRPr lang="en-NZ" dirty="0"/>
                     </a:p>
                   </a:txBody>
@@ -6494,7 +6614,7 @@
                     <a:p>
                       <a:r>
                         <a:rPr lang="en-NZ" dirty="0"/>
-                        <a:t>Accessibility</a:t>
+                        <a:t>aesthetic</a:t>
                       </a:r>
                     </a:p>
                   </a:txBody>
@@ -6505,7 +6625,27 @@
                     <a:bodyPr/>
                     <a:lstStyle/>
                     <a:p>
-                      <a:endParaRPr lang="en-NZ" dirty="0"/>
+                      <a:pPr marL="0" marR="0" lvl="0" indent="0" algn="l" defTabSz="914400" rtl="0" eaLnBrk="1" fontAlgn="auto" latinLnBrk="0" hangingPunct="1">
+                        <a:lnSpc>
+                          <a:spcPct val="100000"/>
+                        </a:lnSpc>
+                        <a:spcBef>
+                          <a:spcPts val="0"/>
+                        </a:spcBef>
+                        <a:spcAft>
+                          <a:spcPts val="0"/>
+                        </a:spcAft>
+                        <a:buClrTx/>
+                        <a:buSzTx/>
+                        <a:buFontTx/>
+                        <a:buNone/>
+                        <a:tabLst/>
+                        <a:defRPr/>
+                      </a:pPr>
+                      <a:r>
+                        <a:rPr lang="en-NZ" dirty="0"/>
+                        <a:t>Aesthetic is about the program’s overall appearance. A program which looks good because it includes well spaced instructions, prompts and ‘decoration’ around key messages is going to be more aesthetically pleasing than one which is composed of unspaced plain text</a:t>
+                      </a:r>
                     </a:p>
                   </a:txBody>
                   <a:tcPr/>
@@ -6536,6 +6676,14 @@
 <file path=ppt/slides/slide4.xml><?xml version="1.0" encoding="utf-8"?>
 <p:sld xmlns:a="http://schemas.openxmlformats.org/drawingml/2006/main" xmlns:r="http://schemas.openxmlformats.org/officeDocument/2006/relationships" xmlns:p="http://schemas.openxmlformats.org/presentationml/2006/main">
   <p:cSld>
+    <p:bg>
+      <p:bgPr>
+        <a:solidFill>
+          <a:schemeClr val="bg1"/>
+        </a:solidFill>
+        <a:effectLst/>
+      </p:bgPr>
+    </p:bg>
     <p:spTree>
       <p:nvGrpSpPr>
         <p:cNvPr id="1" name=""/>
@@ -6550,36 +6698,96 @@
           <a:chExt cx="0" cy="0"/>
         </a:xfrm>
       </p:grpSpPr>
-      <p:sp>
-        <p:nvSpPr>
-          <p:cNvPr id="2" name="Title 1">
-            <a:extLst>
-              <a:ext uri="{FF2B5EF4-FFF2-40B4-BE49-F238E27FC236}">
-                <a16:creationId xmlns:a16="http://schemas.microsoft.com/office/drawing/2014/main" id="{321F8E66-F9B8-4062-8E8D-D5ADB11625DA}"/>
-              </a:ext>
-            </a:extLst>
-          </p:cNvPr>
-          <p:cNvSpPr>
-            <a:spLocks noGrp="1"/>
-          </p:cNvSpPr>
-          <p:nvPr>
-            <p:ph type="title"/>
+      <p:sp useBgFill="1">
+        <p:nvSpPr>
+          <p:cNvPr id="17" name="Rectangle 16">
+            <a:extLst>
+              <a:ext uri="{FF2B5EF4-FFF2-40B4-BE49-F238E27FC236}">
+                <a16:creationId xmlns:a16="http://schemas.microsoft.com/office/drawing/2014/main" id="{99ED5833-B85B-4103-8A3B-CAB0308E6C15}"/>
+              </a:ext>
+              <a:ext uri="{C183D7F6-B498-43B3-948B-1728B52AA6E4}">
+                <adec:decorative xmlns:adec="http://schemas.microsoft.com/office/drawing/2017/decorative" val="1"/>
+              </a:ext>
+            </a:extLst>
+          </p:cNvPr>
+          <p:cNvSpPr>
+            <a:spLocks noGrp="1" noRot="1" noChangeAspect="1" noMove="1" noResize="1" noEditPoints="1" noAdjustHandles="1" noChangeArrowheads="1" noChangeShapeType="1" noTextEdit="1"/>
+          </p:cNvSpPr>
+          <p:nvPr>
+            <p:extLst>
+              <p:ext uri="{386F3935-93C4-4BCD-93E2-E3B085C9AB24}">
+                <p16:designElem xmlns:p16="http://schemas.microsoft.com/office/powerpoint/2015/main" val="1"/>
+              </p:ext>
+            </p:extLst>
           </p:nvPr>
         </p:nvSpPr>
         <p:spPr>
           <a:xfrm>
-            <a:off x="838200" y="365125"/>
-            <a:ext cx="10515600" cy="600075"/>
+            <a:off x="-1" y="0"/>
+            <a:ext cx="12188952" cy="6858000"/>
+          </a:xfrm>
+          <a:prstGeom prst="rect">
+            <a:avLst/>
+          </a:prstGeom>
+          <a:ln>
+            <a:noFill/>
+          </a:ln>
+        </p:spPr>
+        <p:style>
+          <a:lnRef idx="2">
+            <a:schemeClr val="accent1">
+              <a:shade val="50000"/>
+            </a:schemeClr>
+          </a:lnRef>
+          <a:fillRef idx="1">
+            <a:schemeClr val="accent1"/>
+          </a:fillRef>
+          <a:effectRef idx="0">
+            <a:schemeClr val="accent1"/>
+          </a:effectRef>
+          <a:fontRef idx="minor">
+            <a:schemeClr val="lt1"/>
+          </a:fontRef>
+        </p:style>
+        <p:txBody>
+          <a:bodyPr rtlCol="0" anchor="ctr"/>
+          <a:lstStyle/>
+          <a:p>
+            <a:pPr algn="ctr"/>
+            <a:endParaRPr lang="en-US"/>
+          </a:p>
+        </p:txBody>
+      </p:sp>
+      <p:sp>
+        <p:nvSpPr>
+          <p:cNvPr id="2" name="Title 1">
+            <a:extLst>
+              <a:ext uri="{FF2B5EF4-FFF2-40B4-BE49-F238E27FC236}">
+                <a16:creationId xmlns:a16="http://schemas.microsoft.com/office/drawing/2014/main" id="{321F8E66-F9B8-4062-8E8D-D5ADB11625DA}"/>
+              </a:ext>
+            </a:extLst>
+          </p:cNvPr>
+          <p:cNvSpPr>
+            <a:spLocks noGrp="1"/>
+          </p:cNvSpPr>
+          <p:nvPr>
+            <p:ph type="title"/>
+          </p:nvPr>
+        </p:nvSpPr>
+        <p:spPr>
+          <a:xfrm>
+            <a:off x="181234" y="358623"/>
+            <a:ext cx="11829532" cy="532261"/>
           </a:xfrm>
         </p:spPr>
         <p:txBody>
-          <a:bodyPr>
-            <a:normAutofit fontScale="90000"/>
+          <a:bodyPr vert="horz" lIns="91440" tIns="45720" rIns="91440" bIns="45720" rtlCol="0" anchor="b">
+            <a:normAutofit/>
           </a:bodyPr>
           <a:lstStyle/>
           <a:p>
             <a:r>
-              <a:rPr lang="en-NZ" sz="4000" dirty="0"/>
+              <a:rPr lang="en-US" sz="3200" dirty="0"/>
               <a:t>Decomposition:</a:t>
             </a:r>
           </a:p>
@@ -6599,14 +6807,54 @@
         </p:nvSpPr>
         <p:spPr>
           <a:xfrm>
-            <a:off x="838200" y="965200"/>
-            <a:ext cx="9999846" cy="708912"/>
+            <a:off x="838198" y="890884"/>
+            <a:ext cx="10527381" cy="1004216"/>
           </a:xfrm>
           <a:prstGeom prst="rect">
             <a:avLst/>
           </a:prstGeom>
         </p:spPr>
         <p:txBody>
+          <a:bodyPr vert="horz" lIns="91440" tIns="45720" rIns="91440" bIns="45720" rtlCol="0" anchor="ctr">
+            <a:normAutofit/>
+          </a:bodyPr>
+          <a:lstStyle/>
+          <a:p>
+            <a:pPr>
+              <a:lnSpc>
+                <a:spcPct val="90000"/>
+              </a:lnSpc>
+              <a:spcAft>
+                <a:spcPts val="600"/>
+              </a:spcAft>
+            </a:pPr>
+            <a:endParaRPr lang="en-US" sz="2000" dirty="0"/>
+          </a:p>
+        </p:txBody>
+      </p:sp>
+      <p:sp>
+        <p:nvSpPr>
+          <p:cNvPr id="6" name="TextBox 5">
+            <a:extLst>
+              <a:ext uri="{FF2B5EF4-FFF2-40B4-BE49-F238E27FC236}">
+                <a16:creationId xmlns:a16="http://schemas.microsoft.com/office/drawing/2014/main" id="{015F61DA-23A5-D3C0-05EB-98666F03A294}"/>
+              </a:ext>
+            </a:extLst>
+          </p:cNvPr>
+          <p:cNvSpPr txBox="1"/>
+          <p:nvPr/>
+        </p:nvSpPr>
+        <p:spPr>
+          <a:xfrm>
+            <a:off x="181234" y="980071"/>
+            <a:ext cx="8494680" cy="708912"/>
+          </a:xfrm>
+          <a:prstGeom prst="rect">
+            <a:avLst/>
+          </a:prstGeom>
+          <a:noFill/>
+        </p:spPr>
+        <p:txBody>
           <a:bodyPr wrap="square">
             <a:spAutoFit/>
           </a:bodyPr>
@@ -6631,6 +6879,36 @@
           </a:p>
         </p:txBody>
       </p:sp>
+      <p:pic>
+        <p:nvPicPr>
+          <p:cNvPr id="9" name="Picture 8">
+            <a:extLst>
+              <a:ext uri="{FF2B5EF4-FFF2-40B4-BE49-F238E27FC236}">
+                <a16:creationId xmlns:a16="http://schemas.microsoft.com/office/drawing/2014/main" id="{1AB66C2C-066A-5111-B39F-C9B92EDFD759}"/>
+              </a:ext>
+            </a:extLst>
+          </p:cNvPr>
+          <p:cNvPicPr>
+            <a:picLocks noChangeAspect="1"/>
+          </p:cNvPicPr>
+          <p:nvPr/>
+        </p:nvPicPr>
+        <p:blipFill>
+          <a:blip r:embed="rId3"/>
+          <a:stretch>
+            <a:fillRect/>
+          </a:stretch>
+        </p:blipFill>
+        <p:spPr>
+          <a:xfrm>
+            <a:off x="0" y="2228517"/>
+            <a:ext cx="12192000" cy="2400966"/>
+          </a:xfrm>
+          <a:prstGeom prst="rect">
+            <a:avLst/>
+          </a:prstGeom>
+        </p:spPr>
+      </p:pic>
     </p:spTree>
     <p:extLst>
       <p:ext uri="{BB962C8B-B14F-4D97-AF65-F5344CB8AC3E}">
@@ -6688,12 +6966,42 @@
           <a:p>
             <a:r>
               <a:rPr lang="en" sz="4000" dirty="0"/>
-              <a:t>[Component name] (Trello screenshot)</a:t>
+              <a:t>Add combo (Trello screenshot)</a:t>
             </a:r>
             <a:endParaRPr sz="4000" dirty="0"/>
           </a:p>
         </p:txBody>
       </p:sp>
+      <p:pic>
+        <p:nvPicPr>
+          <p:cNvPr id="3" name="Picture 2">
+            <a:extLst>
+              <a:ext uri="{FF2B5EF4-FFF2-40B4-BE49-F238E27FC236}">
+                <a16:creationId xmlns:a16="http://schemas.microsoft.com/office/drawing/2014/main" id="{88F42C7A-5E3E-4389-FEA1-4C156DD3CE2F}"/>
+              </a:ext>
+            </a:extLst>
+          </p:cNvPr>
+          <p:cNvPicPr>
+            <a:picLocks noChangeAspect="1"/>
+          </p:cNvPicPr>
+          <p:nvPr/>
+        </p:nvPicPr>
+        <p:blipFill>
+          <a:blip r:embed="rId3"/>
+          <a:stretch>
+            <a:fillRect/>
+          </a:stretch>
+        </p:blipFill>
+        <p:spPr>
+          <a:xfrm>
+            <a:off x="4501058" y="1499918"/>
+            <a:ext cx="2667372" cy="3858163"/>
+          </a:xfrm>
+          <a:prstGeom prst="rect">
+            <a:avLst/>
+          </a:prstGeom>
+        </p:spPr>
+      </p:pic>
     </p:spTree>
   </p:cSld>
   <p:clrMapOvr>
@@ -6746,7 +7054,7 @@
           <a:p>
             <a:r>
               <a:rPr lang="en" sz="4000" dirty="0"/>
-              <a:t>[Component name] - Test Plan</a:t>
+              <a:t>Add combo - Test Plan</a:t>
             </a:r>
             <a:endParaRPr sz="4000" dirty="0"/>
           </a:p>
@@ -6759,14 +7067,14 @@
           <p:nvPr>
             <p:extLst>
               <p:ext uri="{D42A27DB-BD31-4B8C-83A1-F6EECF244321}">
-                <p14:modId xmlns:p14="http://schemas.microsoft.com/office/powerpoint/2010/main" val="2698883836"/>
+                <p14:modId xmlns:p14="http://schemas.microsoft.com/office/powerpoint/2010/main" val="3317564070"/>
               </p:ext>
             </p:extLst>
           </p:nvPr>
         </p:nvGraphicFramePr>
         <p:xfrm>
           <a:off x="509967" y="1690300"/>
-          <a:ext cx="11360800" cy="1219120"/>
+          <a:ext cx="11360800" cy="1828680"/>
         </p:xfrm>
         <a:graphic>
           <a:graphicData uri="http://schemas.openxmlformats.org/drawingml/2006/table">
@@ -6866,6 +7174,59 @@
                         </a:spcAft>
                         <a:buNone/>
                       </a:pPr>
+                      <a:r>
+                        <a:rPr lang="en-NZ" sz="2400" dirty="0"/>
+                        <a:t>Enter the name of combo</a:t>
+                      </a:r>
+                      <a:endParaRPr sz="2400" dirty="0"/>
+                    </a:p>
+                  </a:txBody>
+                  <a:tcPr marL="121900" marR="121900" marT="121900" marB="121900"/>
+                </a:tc>
+                <a:tc>
+                  <a:txBody>
+                    <a:bodyPr/>
+                    <a:lstStyle/>
+                    <a:p>
+                      <a:pPr marL="0" lvl="0" indent="0" algn="l" rtl="0">
+                        <a:spcBef>
+                          <a:spcPts val="0"/>
+                        </a:spcBef>
+                        <a:spcAft>
+                          <a:spcPts val="0"/>
+                        </a:spcAft>
+                        <a:buNone/>
+                      </a:pPr>
+                      <a:r>
+                        <a:rPr lang="en-NZ" sz="2400"/>
+                        <a:t>Goes on to </a:t>
+                      </a:r>
+                      <a:endParaRPr sz="2400" dirty="0"/>
+                    </a:p>
+                  </a:txBody>
+                  <a:tcPr marL="121900" marR="121900" marT="121900" marB="121900"/>
+                </a:tc>
+                <a:extLst>
+                  <a:ext uri="{0D108BD9-81ED-4DB2-BD59-A6C34878D82A}">
+                    <a16:rowId xmlns:a16="http://schemas.microsoft.com/office/drawing/2014/main" val="10001"/>
+                  </a:ext>
+                </a:extLst>
+              </a:tr>
+              <a:tr h="609560">
+                <a:tc>
+                  <a:txBody>
+                    <a:bodyPr/>
+                    <a:lstStyle/>
+                    <a:p>
+                      <a:pPr marL="0" lvl="0" indent="0" algn="l" rtl="0">
+                        <a:spcBef>
+                          <a:spcPts val="0"/>
+                        </a:spcBef>
+                        <a:spcAft>
+                          <a:spcPts val="0"/>
+                        </a:spcAft>
+                        <a:buNone/>
+                      </a:pPr>
                       <a:endParaRPr sz="2400" dirty="0"/>
                     </a:p>
                   </a:txBody>
@@ -6892,7 +7253,7 @@
                 </a:tc>
                 <a:extLst>
                   <a:ext uri="{0D108BD9-81ED-4DB2-BD59-A6C34878D82A}">
-                    <a16:rowId xmlns:a16="http://schemas.microsoft.com/office/drawing/2014/main" val="10001"/>
+                    <a16:rowId xmlns:a16="http://schemas.microsoft.com/office/drawing/2014/main" val="555263479"/>
                   </a:ext>
                 </a:extLst>
               </a:tr>
@@ -7879,23 +8240,6 @@
 </file>
 
 <file path=customXml/item1.xml><?xml version="1.0" encoding="utf-8"?>
-<p:properties xmlns:p="http://schemas.microsoft.com/office/2006/metadata/properties" xmlns:xsi="http://www.w3.org/2001/XMLSchema-instance" xmlns:pc="http://schemas.microsoft.com/office/infopath/2007/PartnerControls">
-  <documentManagement>
-    <ReferenceId xmlns="e38b8155-5114-47b0-a9fa-eb229fbfe015" xsi:nil="true"/>
-  </documentManagement>
-</p:properties>
-</file>
-
-<file path=customXml/item2.xml><?xml version="1.0" encoding="utf-8"?>
-<?mso-contentType ?>
-<FormTemplates xmlns="http://schemas.microsoft.com/sharepoint/v3/contenttype/forms">
-  <Display>DocumentLibraryForm</Display>
-  <Edit>DocumentLibraryForm</Edit>
-  <New>DocumentLibraryForm</New>
-</FormTemplates>
-</file>
-
-<file path=customXml/item3.xml><?xml version="1.0" encoding="utf-8"?>
 <ct:contentTypeSchema xmlns:ct="http://schemas.microsoft.com/office/2006/metadata/contentType" xmlns:ma="http://schemas.microsoft.com/office/2006/metadata/properties/metaAttributes" ct:_="" ma:_="" ma:contentTypeName="Document" ma:contentTypeID="0x010100CF1FA5F42E32064EBC712696EE2EC419" ma:contentTypeVersion="1" ma:contentTypeDescription="Create a new document." ma:contentTypeScope="" ma:versionID="8da24ec2fec523de482f60ce898ffe29">
   <xsd:schema xmlns:xsd="http://www.w3.org/2001/XMLSchema" xmlns:xs="http://www.w3.org/2001/XMLSchema" xmlns:p="http://schemas.microsoft.com/office/2006/metadata/properties" xmlns:ns2="e38b8155-5114-47b0-a9fa-eb229fbfe015" targetNamespace="http://schemas.microsoft.com/office/2006/metadata/properties" ma:root="true" ma:fieldsID="1e3f358edf1a5d679493ec63a22a5273" ns2:_="">
     <xsd:import namespace="e38b8155-5114-47b0-a9fa-eb229fbfe015"/>
@@ -8021,25 +8365,24 @@
 </ct:contentTypeSchema>
 </file>
 
-<file path=customXml/itemProps1.xml><?xml version="1.0" encoding="utf-8"?>
-<ds:datastoreItem xmlns:ds="http://schemas.openxmlformats.org/officeDocument/2006/customXml" ds:itemID="{DA46E379-F785-4EC3-9D7D-4625EC2D6FE4}">
-  <ds:schemaRefs>
-    <ds:schemaRef ds:uri="http://schemas.microsoft.com/office/2006/metadata/properties"/>
-    <ds:schemaRef ds:uri="http://schemas.microsoft.com/office/infopath/2007/PartnerControls"/>
-    <ds:schemaRef ds:uri="e38b8155-5114-47b0-a9fa-eb229fbfe015"/>
-  </ds:schemaRefs>
-</ds:datastoreItem>
+<file path=customXml/item2.xml><?xml version="1.0" encoding="utf-8"?>
+<p:properties xmlns:p="http://schemas.microsoft.com/office/2006/metadata/properties" xmlns:xsi="http://www.w3.org/2001/XMLSchema-instance" xmlns:pc="http://schemas.microsoft.com/office/infopath/2007/PartnerControls">
+  <documentManagement>
+    <ReferenceId xmlns="e38b8155-5114-47b0-a9fa-eb229fbfe015" xsi:nil="true"/>
+  </documentManagement>
+</p:properties>
 </file>
 
-<file path=customXml/itemProps2.xml><?xml version="1.0" encoding="utf-8"?>
-<ds:datastoreItem xmlns:ds="http://schemas.openxmlformats.org/officeDocument/2006/customXml" ds:itemID="{850509B3-B737-4CBB-82EF-E3EDD3E90B92}">
-  <ds:schemaRefs>
-    <ds:schemaRef ds:uri="http://schemas.microsoft.com/sharepoint/v3/contenttype/forms"/>
-  </ds:schemaRefs>
-</ds:datastoreItem>
+<file path=customXml/item3.xml><?xml version="1.0" encoding="utf-8"?>
+<?mso-contentType ?>
+<FormTemplates xmlns="http://schemas.microsoft.com/sharepoint/v3/contenttype/forms">
+  <Display>DocumentLibraryForm</Display>
+  <Edit>DocumentLibraryForm</Edit>
+  <New>DocumentLibraryForm</New>
+</FormTemplates>
 </file>
 
-<file path=customXml/itemProps3.xml><?xml version="1.0" encoding="utf-8"?>
+<file path=customXml/itemProps1.xml><?xml version="1.0" encoding="utf-8"?>
 <ds:datastoreItem xmlns:ds="http://schemas.openxmlformats.org/officeDocument/2006/customXml" ds:itemID="{46D95F95-BD04-4506-AA32-6C1F5D8BD8BD}">
   <ds:schemaRefs>
     <ds:schemaRef ds:uri="http://schemas.microsoft.com/office/2006/metadata/contentType"/>
@@ -8055,4 +8398,28 @@
     <ds:schemaRef ds:uri="http://schemas.microsoft.com/internal/obd"/>
   </ds:schemaRefs>
 </ds:datastoreItem>
+</file>
+
+<file path=customXml/itemProps2.xml><?xml version="1.0" encoding="utf-8"?>
+<ds:datastoreItem xmlns:ds="http://schemas.openxmlformats.org/officeDocument/2006/customXml" ds:itemID="{DA46E379-F785-4EC3-9D7D-4625EC2D6FE4}">
+  <ds:schemaRefs>
+    <ds:schemaRef ds:uri="http://schemas.microsoft.com/office/2006/documentManagement/types"/>
+    <ds:schemaRef ds:uri="http://www.w3.org/XML/1998/namespace"/>
+    <ds:schemaRef ds:uri="http://purl.org/dc/elements/1.1/"/>
+    <ds:schemaRef ds:uri="http://schemas.microsoft.com/office/2006/metadata/properties"/>
+    <ds:schemaRef ds:uri="e38b8155-5114-47b0-a9fa-eb229fbfe015"/>
+    <ds:schemaRef ds:uri="http://schemas.openxmlformats.org/package/2006/metadata/core-properties"/>
+    <ds:schemaRef ds:uri="http://purl.org/dc/dcmitype/"/>
+    <ds:schemaRef ds:uri="http://schemas.microsoft.com/office/infopath/2007/PartnerControls"/>
+    <ds:schemaRef ds:uri="http://purl.org/dc/terms/"/>
+  </ds:schemaRefs>
+</ds:datastoreItem>
+</file>
+
+<file path=customXml/itemProps3.xml><?xml version="1.0" encoding="utf-8"?>
+<ds:datastoreItem xmlns:ds="http://schemas.openxmlformats.org/officeDocument/2006/customXml" ds:itemID="{850509B3-B737-4CBB-82EF-E3EDD3E90B92}">
+  <ds:schemaRefs>
+    <ds:schemaRef ds:uri="http://schemas.microsoft.com/sharepoint/v3/contenttype/forms"/>
+  </ds:schemaRefs>
+</ds:datastoreItem>
 </file>
--- a/2.7 and 2.8 Documentation Template .pptx
+++ b/2.7 and 2.8 Documentation Template .pptx
@@ -129,7 +129,7 @@
 <file path=ppt/revisionInfo.xml><?xml version="1.0" encoding="utf-8"?>
 <p1510:revInfo xmlns:a="http://schemas.openxmlformats.org/drawingml/2006/main" xmlns:r="http://schemas.openxmlformats.org/officeDocument/2006/relationships" xmlns:p1510="http://schemas.microsoft.com/office/powerpoint/2015/10/main">
   <p1510:revLst>
-    <p1510:client id="{1A2AD167-03BD-4192-8625-971A44F5C939}" v="19" dt="2024-04-07T23:06:11.508"/>
+    <p1510:client id="{1A2AD167-03BD-4192-8625-971A44F5C939}" v="32" dt="2024-04-28T10:20:53.819"/>
   </p1510:revLst>
 </p1510:revInfo>
 </file>
@@ -138,8 +138,8 @@
 <pc:chgInfo xmlns:a="http://schemas.openxmlformats.org/drawingml/2006/main" xmlns:r="http://schemas.openxmlformats.org/officeDocument/2006/relationships" xmlns:ac="http://schemas.microsoft.com/office/drawing/2013/main/command" xmlns:pc="http://schemas.microsoft.com/office/powerpoint/2013/main/command">
   <pc:docChgLst>
     <pc:chgData name="Thomas Xu" userId="72a40c57-58f8-4deb-8f71-c52d4941dc1d" providerId="ADAL" clId="{1A2AD167-03BD-4192-8625-971A44F5C939}"/>
-    <pc:docChg chg="undo custSel modSld">
-      <pc:chgData name="Thomas Xu" userId="72a40c57-58f8-4deb-8f71-c52d4941dc1d" providerId="ADAL" clId="{1A2AD167-03BD-4192-8625-971A44F5C939}" dt="2024-04-09T02:36:52.083" v="496" actId="20577"/>
+    <pc:docChg chg="undo custSel addSld delSld modSld">
+      <pc:chgData name="Thomas Xu" userId="72a40c57-58f8-4deb-8f71-c52d4941dc1d" providerId="ADAL" clId="{1A2AD167-03BD-4192-8625-971A44F5C939}" dt="2024-04-28T10:20:53.819" v="1343"/>
       <pc:docMkLst>
         <pc:docMk/>
       </pc:docMkLst>
@@ -238,13 +238,13 @@
         </pc:graphicFrameChg>
       </pc:sldChg>
       <pc:sldChg chg="addSp delSp modSp mod setBg">
-        <pc:chgData name="Thomas Xu" userId="72a40c57-58f8-4deb-8f71-c52d4941dc1d" providerId="ADAL" clId="{1A2AD167-03BD-4192-8625-971A44F5C939}" dt="2024-04-09T02:31:43.047" v="294" actId="22"/>
+        <pc:chgData name="Thomas Xu" userId="72a40c57-58f8-4deb-8f71-c52d4941dc1d" providerId="ADAL" clId="{1A2AD167-03BD-4192-8625-971A44F5C939}" dt="2024-04-11T23:41:54.993" v="1151" actId="122"/>
         <pc:sldMkLst>
           <pc:docMk/>
           <pc:sldMk cId="3760331451" sldId="260"/>
         </pc:sldMkLst>
         <pc:spChg chg="mod">
-          <ac:chgData name="Thomas Xu" userId="72a40c57-58f8-4deb-8f71-c52d4941dc1d" providerId="ADAL" clId="{1A2AD167-03BD-4192-8625-971A44F5C939}" dt="2024-04-09T02:29:04.276" v="269" actId="20577"/>
+          <ac:chgData name="Thomas Xu" userId="72a40c57-58f8-4deb-8f71-c52d4941dc1d" providerId="ADAL" clId="{1A2AD167-03BD-4192-8625-971A44F5C939}" dt="2024-04-11T23:41:54.993" v="1151" actId="122"/>
           <ac:spMkLst>
             <pc:docMk/>
             <pc:sldMk cId="3760331451" sldId="260"/>
@@ -259,8 +259,8 @@
             <ac:spMk id="4" creationId="{937BF58F-E358-4625-919F-7C3D6EEBA8FB}"/>
           </ac:spMkLst>
         </pc:spChg>
-        <pc:spChg chg="add mod">
-          <ac:chgData name="Thomas Xu" userId="72a40c57-58f8-4deb-8f71-c52d4941dc1d" providerId="ADAL" clId="{1A2AD167-03BD-4192-8625-971A44F5C939}" dt="2024-04-09T02:29:11.903" v="272" actId="14100"/>
+        <pc:spChg chg="add del mod">
+          <ac:chgData name="Thomas Xu" userId="72a40c57-58f8-4deb-8f71-c52d4941dc1d" providerId="ADAL" clId="{1A2AD167-03BD-4192-8625-971A44F5C939}" dt="2024-04-11T23:41:41.116" v="1148"/>
           <ac:spMkLst>
             <pc:docMk/>
             <pc:sldMk cId="3760331451" sldId="260"/>
@@ -291,6 +291,14 @@
             <ac:picMk id="5" creationId="{4B35EEA2-D35A-3169-8F6A-9D4ADBF3228E}"/>
           </ac:picMkLst>
         </pc:picChg>
+        <pc:picChg chg="add mod">
+          <ac:chgData name="Thomas Xu" userId="72a40c57-58f8-4deb-8f71-c52d4941dc1d" providerId="ADAL" clId="{1A2AD167-03BD-4192-8625-971A44F5C939}" dt="2024-04-11T23:41:30.503" v="1143" actId="1076"/>
+          <ac:picMkLst>
+            <pc:docMk/>
+            <pc:sldMk cId="3760331451" sldId="260"/>
+            <ac:picMk id="5" creationId="{BFDE55CA-DCC6-F3C2-B308-453C5E3B5A5E}"/>
+          </ac:picMkLst>
+        </pc:picChg>
         <pc:picChg chg="add del mod">
           <ac:chgData name="Thomas Xu" userId="72a40c57-58f8-4deb-8f71-c52d4941dc1d" providerId="ADAL" clId="{1A2AD167-03BD-4192-8625-971A44F5C939}" dt="2024-04-09T02:30:13.908" v="292" actId="478"/>
           <ac:picMkLst>
@@ -299,8 +307,16 @@
             <ac:picMk id="7" creationId="{351D02E6-705A-5C21-8A82-061FB443BDC4}"/>
           </ac:picMkLst>
         </pc:picChg>
-        <pc:picChg chg="add">
-          <ac:chgData name="Thomas Xu" userId="72a40c57-58f8-4deb-8f71-c52d4941dc1d" providerId="ADAL" clId="{1A2AD167-03BD-4192-8625-971A44F5C939}" dt="2024-04-09T02:31:43.047" v="294" actId="22"/>
+        <pc:picChg chg="add mod">
+          <ac:chgData name="Thomas Xu" userId="72a40c57-58f8-4deb-8f71-c52d4941dc1d" providerId="ADAL" clId="{1A2AD167-03BD-4192-8625-971A44F5C939}" dt="2024-04-11T23:41:45.538" v="1150" actId="1035"/>
+          <ac:picMkLst>
+            <pc:docMk/>
+            <pc:sldMk cId="3760331451" sldId="260"/>
+            <ac:picMk id="8" creationId="{C34B0C45-E5D6-DE77-5567-F51E3FD1C227}"/>
+          </ac:picMkLst>
+        </pc:picChg>
+        <pc:picChg chg="add del">
+          <ac:chgData name="Thomas Xu" userId="72a40c57-58f8-4deb-8f71-c52d4941dc1d" providerId="ADAL" clId="{1A2AD167-03BD-4192-8625-971A44F5C939}" dt="2024-04-11T23:40:40.600" v="1133" actId="478"/>
           <ac:picMkLst>
             <pc:docMk/>
             <pc:sldMk cId="3760331451" sldId="260"/>
@@ -308,14 +324,29 @@
           </ac:picMkLst>
         </pc:picChg>
       </pc:sldChg>
+      <pc:sldChg chg="addSp delSp mod">
+        <pc:chgData name="Thomas Xu" userId="72a40c57-58f8-4deb-8f71-c52d4941dc1d" providerId="ADAL" clId="{1A2AD167-03BD-4192-8625-971A44F5C939}" dt="2024-04-11T23:37:57.828" v="1132" actId="22"/>
+        <pc:sldMkLst>
+          <pc:docMk/>
+          <pc:sldMk cId="1357549755" sldId="261"/>
+        </pc:sldMkLst>
+        <pc:spChg chg="add del">
+          <ac:chgData name="Thomas Xu" userId="72a40c57-58f8-4deb-8f71-c52d4941dc1d" providerId="ADAL" clId="{1A2AD167-03BD-4192-8625-971A44F5C939}" dt="2024-04-11T23:37:57.828" v="1132" actId="22"/>
+          <ac:spMkLst>
+            <pc:docMk/>
+            <pc:sldMk cId="1357549755" sldId="261"/>
+            <ac:spMk id="5" creationId="{BAC8D65A-91CA-AF85-9F79-9A679E746255}"/>
+          </ac:spMkLst>
+        </pc:spChg>
+      </pc:sldChg>
       <pc:sldChg chg="addSp modSp mod">
-        <pc:chgData name="Thomas Xu" userId="72a40c57-58f8-4deb-8f71-c52d4941dc1d" providerId="ADAL" clId="{1A2AD167-03BD-4192-8625-971A44F5C939}" dt="2024-04-09T02:33:02.972" v="353" actId="1076"/>
+        <pc:chgData name="Thomas Xu" userId="72a40c57-58f8-4deb-8f71-c52d4941dc1d" providerId="ADAL" clId="{1A2AD167-03BD-4192-8625-971A44F5C939}" dt="2024-04-11T23:41:59.960" v="1152" actId="122"/>
         <pc:sldMkLst>
           <pc:docMk/>
           <pc:sldMk cId="0" sldId="268"/>
         </pc:sldMkLst>
         <pc:spChg chg="mod">
-          <ac:chgData name="Thomas Xu" userId="72a40c57-58f8-4deb-8f71-c52d4941dc1d" providerId="ADAL" clId="{1A2AD167-03BD-4192-8625-971A44F5C939}" dt="2024-04-09T02:30:09.136" v="291" actId="20577"/>
+          <ac:chgData name="Thomas Xu" userId="72a40c57-58f8-4deb-8f71-c52d4941dc1d" providerId="ADAL" clId="{1A2AD167-03BD-4192-8625-971A44F5C939}" dt="2024-04-11T23:41:59.960" v="1152" actId="122"/>
           <ac:spMkLst>
             <pc:docMk/>
             <pc:sldMk cId="0" sldId="268"/>
@@ -332,21 +363,21 @@
         </pc:picChg>
       </pc:sldChg>
       <pc:sldChg chg="modSp mod">
-        <pc:chgData name="Thomas Xu" userId="72a40c57-58f8-4deb-8f71-c52d4941dc1d" providerId="ADAL" clId="{1A2AD167-03BD-4192-8625-971A44F5C939}" dt="2024-04-09T02:36:52.083" v="496" actId="20577"/>
+        <pc:chgData name="Thomas Xu" userId="72a40c57-58f8-4deb-8f71-c52d4941dc1d" providerId="ADAL" clId="{1A2AD167-03BD-4192-8625-971A44F5C939}" dt="2024-04-28T09:05:47.861" v="1332" actId="20577"/>
         <pc:sldMkLst>
           <pc:docMk/>
           <pc:sldMk cId="0" sldId="269"/>
         </pc:sldMkLst>
         <pc:spChg chg="mod">
-          <ac:chgData name="Thomas Xu" userId="72a40c57-58f8-4deb-8f71-c52d4941dc1d" providerId="ADAL" clId="{1A2AD167-03BD-4192-8625-971A44F5C939}" dt="2024-04-09T02:32:50.225" v="352" actId="20577"/>
+          <ac:chgData name="Thomas Xu" userId="72a40c57-58f8-4deb-8f71-c52d4941dc1d" providerId="ADAL" clId="{1A2AD167-03BD-4192-8625-971A44F5C939}" dt="2024-04-28T08:38:25.815" v="1241" actId="20577"/>
           <ac:spMkLst>
             <pc:docMk/>
             <pc:sldMk cId="0" sldId="269"/>
             <ac:spMk id="91" creationId="{00000000-0000-0000-0000-000000000000}"/>
           </ac:spMkLst>
         </pc:spChg>
-        <pc:graphicFrameChg chg="modGraphic">
-          <ac:chgData name="Thomas Xu" userId="72a40c57-58f8-4deb-8f71-c52d4941dc1d" providerId="ADAL" clId="{1A2AD167-03BD-4192-8625-971A44F5C939}" dt="2024-04-09T02:36:52.083" v="496" actId="20577"/>
+        <pc:graphicFrameChg chg="mod modGraphic">
+          <ac:chgData name="Thomas Xu" userId="72a40c57-58f8-4deb-8f71-c52d4941dc1d" providerId="ADAL" clId="{1A2AD167-03BD-4192-8625-971A44F5C939}" dt="2024-04-28T09:05:47.861" v="1332" actId="20577"/>
           <ac:graphicFrameMkLst>
             <pc:docMk/>
             <pc:sldMk cId="0" sldId="269"/>
@@ -354,20 +385,256 @@
           </ac:graphicFrameMkLst>
         </pc:graphicFrameChg>
       </pc:sldChg>
+      <pc:sldChg chg="modSp">
+        <pc:chgData name="Thomas Xu" userId="72a40c57-58f8-4deb-8f71-c52d4941dc1d" providerId="ADAL" clId="{1A2AD167-03BD-4192-8625-971A44F5C939}" dt="2024-04-28T10:20:53.819" v="1343"/>
+        <pc:sldMkLst>
+          <pc:docMk/>
+          <pc:sldMk cId="1053444694" sldId="270"/>
+        </pc:sldMkLst>
+        <pc:graphicFrameChg chg="mod">
+          <ac:chgData name="Thomas Xu" userId="72a40c57-58f8-4deb-8f71-c52d4941dc1d" providerId="ADAL" clId="{1A2AD167-03BD-4192-8625-971A44F5C939}" dt="2024-04-28T10:20:53.819" v="1343"/>
+          <ac:graphicFrameMkLst>
+            <pc:docMk/>
+            <pc:sldMk cId="1053444694" sldId="270"/>
+            <ac:graphicFrameMk id="4" creationId="{54A393A9-6C94-409B-BDCB-65C4ABAA2DD1}"/>
+          </ac:graphicFrameMkLst>
+        </pc:graphicFrameChg>
+      </pc:sldChg>
       <pc:sldChg chg="modSp mod">
-        <pc:chgData name="Thomas Xu" userId="72a40c57-58f8-4deb-8f71-c52d4941dc1d" providerId="ADAL" clId="{1A2AD167-03BD-4192-8625-971A44F5C939}" dt="2024-04-07T23:06:11.508" v="231"/>
+        <pc:chgData name="Thomas Xu" userId="72a40c57-58f8-4deb-8f71-c52d4941dc1d" providerId="ADAL" clId="{1A2AD167-03BD-4192-8625-971A44F5C939}" dt="2024-04-28T08:36:43.306" v="1237" actId="14734"/>
         <pc:sldMkLst>
           <pc:docMk/>
           <pc:sldMk cId="975627948" sldId="272"/>
         </pc:sldMkLst>
         <pc:graphicFrameChg chg="mod modGraphic">
-          <ac:chgData name="Thomas Xu" userId="72a40c57-58f8-4deb-8f71-c52d4941dc1d" providerId="ADAL" clId="{1A2AD167-03BD-4192-8625-971A44F5C939}" dt="2024-04-07T23:06:11.508" v="231"/>
+          <ac:chgData name="Thomas Xu" userId="72a40c57-58f8-4deb-8f71-c52d4941dc1d" providerId="ADAL" clId="{1A2AD167-03BD-4192-8625-971A44F5C939}" dt="2024-04-28T08:36:43.306" v="1237" actId="14734"/>
           <ac:graphicFrameMkLst>
             <pc:docMk/>
             <pc:sldMk cId="975627948" sldId="272"/>
             <ac:graphicFrameMk id="6" creationId="{A02ECB3F-5E1A-4602-8844-49609D54ADF8}"/>
           </ac:graphicFrameMkLst>
         </pc:graphicFrameChg>
+      </pc:sldChg>
+      <pc:sldChg chg="modSp mod">
+        <pc:chgData name="Thomas Xu" userId="72a40c57-58f8-4deb-8f71-c52d4941dc1d" providerId="ADAL" clId="{1A2AD167-03BD-4192-8625-971A44F5C939}" dt="2024-04-27T07:27:39.226" v="1236" actId="20577"/>
+        <pc:sldMkLst>
+          <pc:docMk/>
+          <pc:sldMk cId="270828811" sldId="273"/>
+        </pc:sldMkLst>
+        <pc:spChg chg="mod">
+          <ac:chgData name="Thomas Xu" userId="72a40c57-58f8-4deb-8f71-c52d4941dc1d" providerId="ADAL" clId="{1A2AD167-03BD-4192-8625-971A44F5C939}" dt="2024-04-27T07:27:39.226" v="1236" actId="20577"/>
+          <ac:spMkLst>
+            <pc:docMk/>
+            <pc:sldMk cId="270828811" sldId="273"/>
+            <ac:spMk id="2" creationId="{1CC5D32F-7C18-4D00-8D54-2FB046F0A206}"/>
+          </ac:spMkLst>
+        </pc:spChg>
+      </pc:sldChg>
+      <pc:sldChg chg="addSp delSp modSp mod">
+        <pc:chgData name="Thomas Xu" userId="72a40c57-58f8-4deb-8f71-c52d4941dc1d" providerId="ADAL" clId="{1A2AD167-03BD-4192-8625-971A44F5C939}" dt="2024-04-28T09:08:09.517" v="1340" actId="1076"/>
+        <pc:sldMkLst>
+          <pc:docMk/>
+          <pc:sldMk cId="89592267" sldId="274"/>
+        </pc:sldMkLst>
+        <pc:spChg chg="mod">
+          <ac:chgData name="Thomas Xu" userId="72a40c57-58f8-4deb-8f71-c52d4941dc1d" providerId="ADAL" clId="{1A2AD167-03BD-4192-8625-971A44F5C939}" dt="2024-04-11T23:35:11.084" v="1130" actId="20577"/>
+          <ac:spMkLst>
+            <pc:docMk/>
+            <pc:sldMk cId="89592267" sldId="274"/>
+            <ac:spMk id="2" creationId="{1CC5D32F-7C18-4D00-8D54-2FB046F0A206}"/>
+          </ac:spMkLst>
+        </pc:spChg>
+        <pc:spChg chg="mod">
+          <ac:chgData name="Thomas Xu" userId="72a40c57-58f8-4deb-8f71-c52d4941dc1d" providerId="ADAL" clId="{1A2AD167-03BD-4192-8625-971A44F5C939}" dt="2024-04-27T07:23:40.604" v="1205" actId="14100"/>
+          <ac:spMkLst>
+            <pc:docMk/>
+            <pc:sldMk cId="89592267" sldId="274"/>
+            <ac:spMk id="4" creationId="{8CD07A82-A944-4A9B-9A52-515DAC30878A}"/>
+          </ac:spMkLst>
+        </pc:spChg>
+        <pc:graphicFrameChg chg="add mod modGraphic">
+          <ac:chgData name="Thomas Xu" userId="72a40c57-58f8-4deb-8f71-c52d4941dc1d" providerId="ADAL" clId="{1A2AD167-03BD-4192-8625-971A44F5C939}" dt="2024-04-28T08:41:14.874" v="1245" actId="14100"/>
+          <ac:graphicFrameMkLst>
+            <pc:docMk/>
+            <pc:sldMk cId="89592267" sldId="274"/>
+            <ac:graphicFrameMk id="3" creationId="{88562A78-E4CA-A172-349A-8A42419F0943}"/>
+          </ac:graphicFrameMkLst>
+        </pc:graphicFrameChg>
+        <pc:picChg chg="add del mod">
+          <ac:chgData name="Thomas Xu" userId="72a40c57-58f8-4deb-8f71-c52d4941dc1d" providerId="ADAL" clId="{1A2AD167-03BD-4192-8625-971A44F5C939}" dt="2024-04-27T07:23:13.366" v="1201" actId="478"/>
+          <ac:picMkLst>
+            <pc:docMk/>
+            <pc:sldMk cId="89592267" sldId="274"/>
+            <ac:picMk id="5" creationId="{E695D6E6-02FD-FAFA-7958-B8E05556F398}"/>
+          </ac:picMkLst>
+        </pc:picChg>
+        <pc:picChg chg="add del mod">
+          <ac:chgData name="Thomas Xu" userId="72a40c57-58f8-4deb-8f71-c52d4941dc1d" providerId="ADAL" clId="{1A2AD167-03BD-4192-8625-971A44F5C939}" dt="2024-04-28T09:07:51.935" v="1333" actId="478"/>
+          <ac:picMkLst>
+            <pc:docMk/>
+            <pc:sldMk cId="89592267" sldId="274"/>
+            <ac:picMk id="6" creationId="{857CACDE-72A7-5CF1-B568-03C97237AA0B}"/>
+          </ac:picMkLst>
+        </pc:picChg>
+        <pc:picChg chg="add del mod">
+          <ac:chgData name="Thomas Xu" userId="72a40c57-58f8-4deb-8f71-c52d4941dc1d" providerId="ADAL" clId="{1A2AD167-03BD-4192-8625-971A44F5C939}" dt="2024-04-27T07:23:14.012" v="1202" actId="478"/>
+          <ac:picMkLst>
+            <pc:docMk/>
+            <pc:sldMk cId="89592267" sldId="274"/>
+            <ac:picMk id="7" creationId="{1F19DC96-13EC-9499-C8F9-3ECF5F54D542}"/>
+          </ac:picMkLst>
+        </pc:picChg>
+        <pc:picChg chg="add mod">
+          <ac:chgData name="Thomas Xu" userId="72a40c57-58f8-4deb-8f71-c52d4941dc1d" providerId="ADAL" clId="{1A2AD167-03BD-4192-8625-971A44F5C939}" dt="2024-04-28T09:08:09.517" v="1340" actId="1076"/>
+          <ac:picMkLst>
+            <pc:docMk/>
+            <pc:sldMk cId="89592267" sldId="274"/>
+            <ac:picMk id="8" creationId="{813D232A-ED53-D314-5D2C-C33B9A4BC7C2}"/>
+          </ac:picMkLst>
+        </pc:picChg>
+        <pc:picChg chg="add del mod">
+          <ac:chgData name="Thomas Xu" userId="72a40c57-58f8-4deb-8f71-c52d4941dc1d" providerId="ADAL" clId="{1A2AD167-03BD-4192-8625-971A44F5C939}" dt="2024-04-27T07:23:14.562" v="1203" actId="478"/>
+          <ac:picMkLst>
+            <pc:docMk/>
+            <pc:sldMk cId="89592267" sldId="274"/>
+            <ac:picMk id="9" creationId="{80BC9983-0D4F-DDDF-5567-88A0A2D581D4}"/>
+          </ac:picMkLst>
+        </pc:picChg>
+        <pc:picChg chg="add del mod">
+          <ac:chgData name="Thomas Xu" userId="72a40c57-58f8-4deb-8f71-c52d4941dc1d" providerId="ADAL" clId="{1A2AD167-03BD-4192-8625-971A44F5C939}" dt="2024-04-27T07:23:14.970" v="1204" actId="478"/>
+          <ac:picMkLst>
+            <pc:docMk/>
+            <pc:sldMk cId="89592267" sldId="274"/>
+            <ac:picMk id="11" creationId="{5F79B7A1-5926-F258-9EAC-698D931AA799}"/>
+          </ac:picMkLst>
+        </pc:picChg>
+        <pc:picChg chg="add mod">
+          <ac:chgData name="Thomas Xu" userId="72a40c57-58f8-4deb-8f71-c52d4941dc1d" providerId="ADAL" clId="{1A2AD167-03BD-4192-8625-971A44F5C939}" dt="2024-04-27T07:23:54.352" v="1206" actId="1076"/>
+          <ac:picMkLst>
+            <pc:docMk/>
+            <pc:sldMk cId="89592267" sldId="274"/>
+            <ac:picMk id="12" creationId="{65B56292-2E67-005B-6E4B-F4DCF48144D5}"/>
+          </ac:picMkLst>
+        </pc:picChg>
+        <pc:picChg chg="add mod">
+          <ac:chgData name="Thomas Xu" userId="72a40c57-58f8-4deb-8f71-c52d4941dc1d" providerId="ADAL" clId="{1A2AD167-03BD-4192-8625-971A44F5C939}" dt="2024-04-27T07:23:54.352" v="1206" actId="1076"/>
+          <ac:picMkLst>
+            <pc:docMk/>
+            <pc:sldMk cId="89592267" sldId="274"/>
+            <ac:picMk id="13" creationId="{4BA1267D-7175-0FE3-E8F7-740306F98D93}"/>
+          </ac:picMkLst>
+        </pc:picChg>
+        <pc:picChg chg="add mod">
+          <ac:chgData name="Thomas Xu" userId="72a40c57-58f8-4deb-8f71-c52d4941dc1d" providerId="ADAL" clId="{1A2AD167-03BD-4192-8625-971A44F5C939}" dt="2024-04-27T07:23:54.352" v="1206" actId="1076"/>
+          <ac:picMkLst>
+            <pc:docMk/>
+            <pc:sldMk cId="89592267" sldId="274"/>
+            <ac:picMk id="14" creationId="{354BDA29-9094-8AE5-C52E-846AAC9D6643}"/>
+          </ac:picMkLst>
+        </pc:picChg>
+        <pc:picChg chg="add mod">
+          <ac:chgData name="Thomas Xu" userId="72a40c57-58f8-4deb-8f71-c52d4941dc1d" providerId="ADAL" clId="{1A2AD167-03BD-4192-8625-971A44F5C939}" dt="2024-04-27T07:23:54.352" v="1206" actId="1076"/>
+          <ac:picMkLst>
+            <pc:docMk/>
+            <pc:sldMk cId="89592267" sldId="274"/>
+            <ac:picMk id="15" creationId="{9FC0CAFC-E898-B859-B47C-676446634DD0}"/>
+          </ac:picMkLst>
+        </pc:picChg>
+        <pc:picChg chg="add mod">
+          <ac:chgData name="Thomas Xu" userId="72a40c57-58f8-4deb-8f71-c52d4941dc1d" providerId="ADAL" clId="{1A2AD167-03BD-4192-8625-971A44F5C939}" dt="2024-04-27T07:23:54.352" v="1206" actId="1076"/>
+          <ac:picMkLst>
+            <pc:docMk/>
+            <pc:sldMk cId="89592267" sldId="274"/>
+            <ac:picMk id="16" creationId="{AB9F631E-0318-685B-5186-D2F5CC94C7AF}"/>
+          </ac:picMkLst>
+        </pc:picChg>
+        <pc:picChg chg="add del mod">
+          <ac:chgData name="Thomas Xu" userId="72a40c57-58f8-4deb-8f71-c52d4941dc1d" providerId="ADAL" clId="{1A2AD167-03BD-4192-8625-971A44F5C939}" dt="2024-04-28T08:39:25.883" v="1242" actId="478"/>
+          <ac:picMkLst>
+            <pc:docMk/>
+            <pc:sldMk cId="89592267" sldId="274"/>
+            <ac:picMk id="18" creationId="{87BB1348-06A3-4EAE-8A68-430E534B4849}"/>
+          </ac:picMkLst>
+        </pc:picChg>
+      </pc:sldChg>
+      <pc:sldChg chg="addSp modSp add del mod setBg">
+        <pc:chgData name="Thomas Xu" userId="72a40c57-58f8-4deb-8f71-c52d4941dc1d" providerId="ADAL" clId="{1A2AD167-03BD-4192-8625-971A44F5C939}" dt="2024-04-27T07:27:01.817" v="1215" actId="47"/>
+        <pc:sldMkLst>
+          <pc:docMk/>
+          <pc:sldMk cId="2931348590" sldId="275"/>
+        </pc:sldMkLst>
+        <pc:spChg chg="mod">
+          <ac:chgData name="Thomas Xu" userId="72a40c57-58f8-4deb-8f71-c52d4941dc1d" providerId="ADAL" clId="{1A2AD167-03BD-4192-8625-971A44F5C939}" dt="2024-04-27T07:21:35.209" v="1184" actId="26606"/>
+          <ac:spMkLst>
+            <pc:docMk/>
+            <pc:sldMk cId="2931348590" sldId="275"/>
+            <ac:spMk id="2" creationId="{1CC5D32F-7C18-4D00-8D54-2FB046F0A206}"/>
+          </ac:spMkLst>
+        </pc:spChg>
+        <pc:spChg chg="mod ord">
+          <ac:chgData name="Thomas Xu" userId="72a40c57-58f8-4deb-8f71-c52d4941dc1d" providerId="ADAL" clId="{1A2AD167-03BD-4192-8625-971A44F5C939}" dt="2024-04-27T07:21:35.209" v="1184" actId="26606"/>
+          <ac:spMkLst>
+            <pc:docMk/>
+            <pc:sldMk cId="2931348590" sldId="275"/>
+            <ac:spMk id="4" creationId="{8CD07A82-A944-4A9B-9A52-515DAC30878A}"/>
+          </ac:spMkLst>
+        </pc:spChg>
+        <pc:spChg chg="add">
+          <ac:chgData name="Thomas Xu" userId="72a40c57-58f8-4deb-8f71-c52d4941dc1d" providerId="ADAL" clId="{1A2AD167-03BD-4192-8625-971A44F5C939}" dt="2024-04-27T07:21:35.209" v="1184" actId="26606"/>
+          <ac:spMkLst>
+            <pc:docMk/>
+            <pc:sldMk cId="2931348590" sldId="275"/>
+            <ac:spMk id="16" creationId="{61293230-B0F6-45B1-96D1-13D18E242995}"/>
+          </ac:spMkLst>
+        </pc:spChg>
+        <pc:spChg chg="add">
+          <ac:chgData name="Thomas Xu" userId="72a40c57-58f8-4deb-8f71-c52d4941dc1d" providerId="ADAL" clId="{1A2AD167-03BD-4192-8625-971A44F5C939}" dt="2024-04-27T07:21:35.209" v="1184" actId="26606"/>
+          <ac:spMkLst>
+            <pc:docMk/>
+            <pc:sldMk cId="2931348590" sldId="275"/>
+            <ac:spMk id="18" creationId="{DB74BAD7-F0FC-4719-A31F-1ABDB62116DA}"/>
+          </ac:spMkLst>
+        </pc:spChg>
+        <pc:picChg chg="mod">
+          <ac:chgData name="Thomas Xu" userId="72a40c57-58f8-4deb-8f71-c52d4941dc1d" providerId="ADAL" clId="{1A2AD167-03BD-4192-8625-971A44F5C939}" dt="2024-04-27T07:22:55.436" v="1197" actId="1076"/>
+          <ac:picMkLst>
+            <pc:docMk/>
+            <pc:sldMk cId="2931348590" sldId="275"/>
+            <ac:picMk id="5" creationId="{E695D6E6-02FD-FAFA-7958-B8E05556F398}"/>
+          </ac:picMkLst>
+        </pc:picChg>
+        <pc:picChg chg="add mod">
+          <ac:chgData name="Thomas Xu" userId="72a40c57-58f8-4deb-8f71-c52d4941dc1d" providerId="ADAL" clId="{1A2AD167-03BD-4192-8625-971A44F5C939}" dt="2024-04-27T07:22:55.436" v="1197" actId="1076"/>
+          <ac:picMkLst>
+            <pc:docMk/>
+            <pc:sldMk cId="2931348590" sldId="275"/>
+            <ac:picMk id="6" creationId="{4DFC5EDA-644F-76FF-9D23-AA4999406C08}"/>
+          </ac:picMkLst>
+        </pc:picChg>
+        <pc:picChg chg="mod">
+          <ac:chgData name="Thomas Xu" userId="72a40c57-58f8-4deb-8f71-c52d4941dc1d" providerId="ADAL" clId="{1A2AD167-03BD-4192-8625-971A44F5C939}" dt="2024-04-27T07:22:55.436" v="1197" actId="1076"/>
+          <ac:picMkLst>
+            <pc:docMk/>
+            <pc:sldMk cId="2931348590" sldId="275"/>
+            <ac:picMk id="7" creationId="{1F19DC96-13EC-9499-C8F9-3ECF5F54D542}"/>
+          </ac:picMkLst>
+        </pc:picChg>
+        <pc:picChg chg="mod">
+          <ac:chgData name="Thomas Xu" userId="72a40c57-58f8-4deb-8f71-c52d4941dc1d" providerId="ADAL" clId="{1A2AD167-03BD-4192-8625-971A44F5C939}" dt="2024-04-27T07:22:55.436" v="1197" actId="1076"/>
+          <ac:picMkLst>
+            <pc:docMk/>
+            <pc:sldMk cId="2931348590" sldId="275"/>
+            <ac:picMk id="9" creationId="{80BC9983-0D4F-DDDF-5567-88A0A2D581D4}"/>
+          </ac:picMkLst>
+        </pc:picChg>
+        <pc:picChg chg="mod">
+          <ac:chgData name="Thomas Xu" userId="72a40c57-58f8-4deb-8f71-c52d4941dc1d" providerId="ADAL" clId="{1A2AD167-03BD-4192-8625-971A44F5C939}" dt="2024-04-27T07:22:55.436" v="1197" actId="1076"/>
+          <ac:picMkLst>
+            <pc:docMk/>
+            <pc:sldMk cId="2931348590" sldId="275"/>
+            <ac:picMk id="11" creationId="{5F79B7A1-5926-F258-9EAC-698D931AA799}"/>
+          </ac:picMkLst>
+        </pc:picChg>
       </pc:sldChg>
     </pc:docChg>
   </pc:docChgLst>
@@ -456,7 +723,7 @@
           <a:p>
             <a:fld id="{F37D28C0-BEB6-42B0-A203-EEE1023219C4}" type="datetimeFigureOut">
               <a:rPr lang="en-NZ" smtClean="0"/>
-              <a:t>9/04/2024</a:t>
+              <a:t>28/04/2024</a:t>
             </a:fld>
             <a:endParaRPr lang="en-NZ"/>
           </a:p>
@@ -1857,7 +2124,7 @@
           <a:p>
             <a:fld id="{9C4A4F43-1C06-40E6-8F87-8B286982E50E}" type="datetimeFigureOut">
               <a:rPr lang="en-NZ" smtClean="0"/>
-              <a:t>9/04/2024</a:t>
+              <a:t>28/04/2024</a:t>
             </a:fld>
             <a:endParaRPr lang="en-NZ" dirty="0"/>
           </a:p>
@@ -2057,7 +2324,7 @@
           <a:p>
             <a:fld id="{9C4A4F43-1C06-40E6-8F87-8B286982E50E}" type="datetimeFigureOut">
               <a:rPr lang="en-NZ" smtClean="0"/>
-              <a:t>9/04/2024</a:t>
+              <a:t>28/04/2024</a:t>
             </a:fld>
             <a:endParaRPr lang="en-NZ" dirty="0"/>
           </a:p>
@@ -2267,7 +2534,7 @@
           <a:p>
             <a:fld id="{9C4A4F43-1C06-40E6-8F87-8B286982E50E}" type="datetimeFigureOut">
               <a:rPr lang="en-NZ" smtClean="0"/>
-              <a:t>9/04/2024</a:t>
+              <a:t>28/04/2024</a:t>
             </a:fld>
             <a:endParaRPr lang="en-NZ" dirty="0"/>
           </a:p>
@@ -2826,7 +3093,7 @@
           <a:p>
             <a:fld id="{9C4A4F43-1C06-40E6-8F87-8B286982E50E}" type="datetimeFigureOut">
               <a:rPr lang="en-NZ" smtClean="0"/>
-              <a:t>9/04/2024</a:t>
+              <a:t>28/04/2024</a:t>
             </a:fld>
             <a:endParaRPr lang="en-NZ" dirty="0"/>
           </a:p>
@@ -3102,7 +3369,7 @@
           <a:p>
             <a:fld id="{9C4A4F43-1C06-40E6-8F87-8B286982E50E}" type="datetimeFigureOut">
               <a:rPr lang="en-NZ" smtClean="0"/>
-              <a:t>9/04/2024</a:t>
+              <a:t>28/04/2024</a:t>
             </a:fld>
             <a:endParaRPr lang="en-NZ" dirty="0"/>
           </a:p>
@@ -3370,7 +3637,7 @@
           <a:p>
             <a:fld id="{9C4A4F43-1C06-40E6-8F87-8B286982E50E}" type="datetimeFigureOut">
               <a:rPr lang="en-NZ" smtClean="0"/>
-              <a:t>9/04/2024</a:t>
+              <a:t>28/04/2024</a:t>
             </a:fld>
             <a:endParaRPr lang="en-NZ" dirty="0"/>
           </a:p>
@@ -3785,7 +4052,7 @@
           <a:p>
             <a:fld id="{9C4A4F43-1C06-40E6-8F87-8B286982E50E}" type="datetimeFigureOut">
               <a:rPr lang="en-NZ" smtClean="0"/>
-              <a:t>9/04/2024</a:t>
+              <a:t>28/04/2024</a:t>
             </a:fld>
             <a:endParaRPr lang="en-NZ" dirty="0"/>
           </a:p>
@@ -3927,7 +4194,7 @@
           <a:p>
             <a:fld id="{9C4A4F43-1C06-40E6-8F87-8B286982E50E}" type="datetimeFigureOut">
               <a:rPr lang="en-NZ" smtClean="0"/>
-              <a:t>9/04/2024</a:t>
+              <a:t>28/04/2024</a:t>
             </a:fld>
             <a:endParaRPr lang="en-NZ" dirty="0"/>
           </a:p>
@@ -4040,7 +4307,7 @@
           <a:p>
             <a:fld id="{9C4A4F43-1C06-40E6-8F87-8B286982E50E}" type="datetimeFigureOut">
               <a:rPr lang="en-NZ" smtClean="0"/>
-              <a:t>9/04/2024</a:t>
+              <a:t>28/04/2024</a:t>
             </a:fld>
             <a:endParaRPr lang="en-NZ" dirty="0"/>
           </a:p>
@@ -4353,7 +4620,7 @@
           <a:p>
             <a:fld id="{9C4A4F43-1C06-40E6-8F87-8B286982E50E}" type="datetimeFigureOut">
               <a:rPr lang="en-NZ" smtClean="0"/>
-              <a:t>9/04/2024</a:t>
+              <a:t>28/04/2024</a:t>
             </a:fld>
             <a:endParaRPr lang="en-NZ" dirty="0"/>
           </a:p>
@@ -4642,7 +4909,7 @@
           <a:p>
             <a:fld id="{9C4A4F43-1C06-40E6-8F87-8B286982E50E}" type="datetimeFigureOut">
               <a:rPr lang="en-NZ" smtClean="0"/>
-              <a:t>9/04/2024</a:t>
+              <a:t>28/04/2024</a:t>
             </a:fld>
             <a:endParaRPr lang="en-NZ" dirty="0"/>
           </a:p>
@@ -4885,7 +5152,7 @@
           <a:p>
             <a:fld id="{9C4A4F43-1C06-40E6-8F87-8B286982E50E}" type="datetimeFigureOut">
               <a:rPr lang="en-NZ" smtClean="0"/>
-              <a:t>9/04/2024</a:t>
+              <a:t>28/04/2024</a:t>
             </a:fld>
             <a:endParaRPr lang="en-NZ" dirty="0"/>
           </a:p>
@@ -5459,14 +5726,14 @@
           <p:nvPr>
             <p:extLst>
               <p:ext uri="{D42A27DB-BD31-4B8C-83A1-F6EECF244321}">
-                <p14:modId xmlns:p14="http://schemas.microsoft.com/office/powerpoint/2010/main" val="314179954"/>
+                <p14:modId xmlns:p14="http://schemas.microsoft.com/office/powerpoint/2010/main" val="1215146076"/>
               </p:ext>
             </p:extLst>
           </p:nvPr>
         </p:nvGraphicFramePr>
         <p:xfrm>
           <a:off x="782320" y="1213485"/>
-          <a:ext cx="10627360" cy="1854200"/>
+          <a:ext cx="10627360" cy="2392680"/>
         </p:xfrm>
         <a:graphic>
           <a:graphicData uri="http://schemas.openxmlformats.org/drawingml/2006/table">
@@ -5537,7 +5804,10 @@
                     <a:bodyPr/>
                     <a:lstStyle/>
                     <a:p>
-                      <a:endParaRPr lang="en-NZ" dirty="0"/>
+                      <a:r>
+                        <a:rPr lang="en-NZ" dirty="0"/>
+                        <a:t>Functionally</a:t>
+                      </a:r>
                     </a:p>
                   </a:txBody>
                   <a:tcPr/>
@@ -5563,6 +5833,29 @@
                   <a:txBody>
                     <a:bodyPr/>
                     <a:lstStyle/>
+                    <a:p>
+                      <a:pPr marL="0" marR="0" lvl="0" indent="0" algn="l" defTabSz="914400" rtl="0" eaLnBrk="1" fontAlgn="auto" latinLnBrk="0" hangingPunct="1">
+                        <a:lnSpc>
+                          <a:spcPct val="100000"/>
+                        </a:lnSpc>
+                        <a:spcBef>
+                          <a:spcPts val="0"/>
+                        </a:spcBef>
+                        <a:spcAft>
+                          <a:spcPts val="0"/>
+                        </a:spcAft>
+                        <a:buClrTx/>
+                        <a:buSzTx/>
+                        <a:buFontTx/>
+                        <a:buNone/>
+                        <a:tabLst/>
+                        <a:defRPr/>
+                      </a:pPr>
+                      <a:r>
+                        <a:rPr lang="en-NZ" dirty="0"/>
+                        <a:t>usability</a:t>
+                      </a:r>
+                    </a:p>
                     <a:p>
                       <a:endParaRPr lang="en-NZ" dirty="0"/>
                     </a:p>
@@ -5590,6 +5883,29 @@
                   <a:txBody>
                     <a:bodyPr/>
                     <a:lstStyle/>
+                    <a:p>
+                      <a:pPr marL="0" marR="0" lvl="0" indent="0" algn="l" defTabSz="914400" rtl="0" eaLnBrk="1" fontAlgn="auto" latinLnBrk="0" hangingPunct="1">
+                        <a:lnSpc>
+                          <a:spcPct val="100000"/>
+                        </a:lnSpc>
+                        <a:spcBef>
+                          <a:spcPts val="0"/>
+                        </a:spcBef>
+                        <a:spcAft>
+                          <a:spcPts val="0"/>
+                        </a:spcAft>
+                        <a:buClrTx/>
+                        <a:buSzTx/>
+                        <a:buFontTx/>
+                        <a:buNone/>
+                        <a:tabLst/>
+                        <a:defRPr/>
+                      </a:pPr>
+                      <a:r>
+                        <a:rPr lang="en-NZ" dirty="0"/>
+                        <a:t>aesthetic</a:t>
+                      </a:r>
+                    </a:p>
                     <a:p>
                       <a:endParaRPr lang="en-NZ" dirty="0"/>
                     </a:p>
@@ -6474,14 +6790,14 @@
           <p:nvPr>
             <p:extLst>
               <p:ext uri="{D42A27DB-BD31-4B8C-83A1-F6EECF244321}">
-                <p14:modId xmlns:p14="http://schemas.microsoft.com/office/powerpoint/2010/main" val="2137725121"/>
+                <p14:modId xmlns:p14="http://schemas.microsoft.com/office/powerpoint/2010/main" val="3405672253"/>
               </p:ext>
             </p:extLst>
           </p:nvPr>
         </p:nvGraphicFramePr>
         <p:xfrm>
-          <a:off x="589280" y="1574800"/>
-          <a:ext cx="10515600" cy="4759960"/>
+          <a:off x="586509" y="1574800"/>
+          <a:ext cx="10518371" cy="4759960"/>
         </p:xfrm>
         <a:graphic>
           <a:graphicData uri="http://schemas.openxmlformats.org/drawingml/2006/table">
@@ -6490,7 +6806,7 @@
                 <a:tableStyleId>{5C22544A-7EE6-4342-B048-85BDC9FD1C3A}</a:tableStyleId>
               </a:tblPr>
               <a:tblGrid>
-                <a:gridCol w="4017753">
+                <a:gridCol w="4020524">
                   <a:extLst>
                     <a:ext uri="{9D8B030D-6E8A-4147-A177-3AD203B41FA5}">
                       <a16:colId xmlns:a16="http://schemas.microsoft.com/office/drawing/2014/main" val="2849256304"/>
@@ -6786,9 +7102,10 @@
           </a:bodyPr>
           <a:lstStyle/>
           <a:p>
+            <a:pPr algn="ctr"/>
             <a:r>
               <a:rPr lang="en-US" sz="3200" dirty="0"/>
-              <a:t>Decomposition:</a:t>
+              <a:t>Decomposition: Burger Menu Combos</a:t>
             </a:r>
           </a:p>
         </p:txBody>
@@ -6832,59 +7149,12 @@
           </a:p>
         </p:txBody>
       </p:sp>
-      <p:sp>
-        <p:nvSpPr>
-          <p:cNvPr id="6" name="TextBox 5">
-            <a:extLst>
-              <a:ext uri="{FF2B5EF4-FFF2-40B4-BE49-F238E27FC236}">
-                <a16:creationId xmlns:a16="http://schemas.microsoft.com/office/drawing/2014/main" id="{015F61DA-23A5-D3C0-05EB-98666F03A294}"/>
-              </a:ext>
-            </a:extLst>
-          </p:cNvPr>
-          <p:cNvSpPr txBox="1"/>
-          <p:nvPr/>
-        </p:nvSpPr>
-        <p:spPr>
-          <a:xfrm>
-            <a:off x="181234" y="980071"/>
-            <a:ext cx="8494680" cy="708912"/>
-          </a:xfrm>
-          <a:prstGeom prst="rect">
-            <a:avLst/>
-          </a:prstGeom>
-          <a:noFill/>
-        </p:spPr>
-        <p:txBody>
-          <a:bodyPr wrap="square">
-            <a:spAutoFit/>
-          </a:bodyPr>
-          <a:lstStyle/>
-          <a:p>
-            <a:pPr>
-              <a:lnSpc>
-                <a:spcPct val="115000"/>
-              </a:lnSpc>
-            </a:pPr>
-            <a:r>
-              <a:rPr lang="en-NZ" i="1" dirty="0"/>
-              <a:t>Paste screenshots of your initial Trello board / task decomposition on this slide.  If you have a long list, you might need to break it up into several slides. </a:t>
-            </a:r>
-            <a:r>
-              <a:rPr lang="en-NZ" dirty="0">
-                <a:latin typeface="Arial" panose="020B0604020202020204" pitchFamily="34" charset="0"/>
-                <a:ea typeface="Arial" panose="020B0604020202020204" pitchFamily="34" charset="0"/>
-              </a:rPr>
-              <a:t> </a:t>
-            </a:r>
-          </a:p>
-        </p:txBody>
-      </p:sp>
       <p:pic>
         <p:nvPicPr>
-          <p:cNvPr id="9" name="Picture 8">
-            <a:extLst>
-              <a:ext uri="{FF2B5EF4-FFF2-40B4-BE49-F238E27FC236}">
-                <a16:creationId xmlns:a16="http://schemas.microsoft.com/office/drawing/2014/main" id="{1AB66C2C-066A-5111-B39F-C9B92EDFD759}"/>
+          <p:cNvPr id="5" name="Picture 4">
+            <a:extLst>
+              <a:ext uri="{FF2B5EF4-FFF2-40B4-BE49-F238E27FC236}">
+                <a16:creationId xmlns:a16="http://schemas.microsoft.com/office/drawing/2014/main" id="{BFDE55CA-DCC6-F3C2-B308-453C5E3B5A5E}"/>
               </a:ext>
             </a:extLst>
           </p:cNvPr>
@@ -6901,8 +7171,38 @@
         </p:blipFill>
         <p:spPr>
           <a:xfrm>
-            <a:off x="0" y="2228517"/>
-            <a:ext cx="12192000" cy="2400966"/>
+            <a:off x="2005915" y="890884"/>
+            <a:ext cx="8191945" cy="3089995"/>
+          </a:xfrm>
+          <a:prstGeom prst="rect">
+            <a:avLst/>
+          </a:prstGeom>
+        </p:spPr>
+      </p:pic>
+      <p:pic>
+        <p:nvPicPr>
+          <p:cNvPr id="8" name="Picture 7">
+            <a:extLst>
+              <a:ext uri="{FF2B5EF4-FFF2-40B4-BE49-F238E27FC236}">
+                <a16:creationId xmlns:a16="http://schemas.microsoft.com/office/drawing/2014/main" id="{C34B0C45-E5D6-DE77-5567-F51E3FD1C227}"/>
+              </a:ext>
+            </a:extLst>
+          </p:cNvPr>
+          <p:cNvPicPr>
+            <a:picLocks noChangeAspect="1"/>
+          </p:cNvPicPr>
+          <p:nvPr/>
+        </p:nvPicPr>
+        <p:blipFill>
+          <a:blip r:embed="rId4"/>
+          <a:stretch>
+            <a:fillRect/>
+          </a:stretch>
+        </p:blipFill>
+        <p:spPr>
+          <a:xfrm>
+            <a:off x="1139526" y="3999151"/>
+            <a:ext cx="9924722" cy="2850425"/>
           </a:xfrm>
           <a:prstGeom prst="rect">
             <a:avLst/>
@@ -6964,6 +7264,7 @@
           </a:bodyPr>
           <a:lstStyle/>
           <a:p>
+            <a:pPr algn="ctr"/>
             <a:r>
               <a:rPr lang="en" sz="4000" dirty="0"/>
               <a:t>Add combo (Trello screenshot)</a:t>
@@ -7067,14 +7368,14 @@
           <p:nvPr>
             <p:extLst>
               <p:ext uri="{D42A27DB-BD31-4B8C-83A1-F6EECF244321}">
-                <p14:modId xmlns:p14="http://schemas.microsoft.com/office/powerpoint/2010/main" val="3317564070"/>
+                <p14:modId xmlns:p14="http://schemas.microsoft.com/office/powerpoint/2010/main" val="856065276"/>
               </p:ext>
             </p:extLst>
           </p:nvPr>
         </p:nvGraphicFramePr>
         <p:xfrm>
           <a:off x="509967" y="1690300"/>
-          <a:ext cx="11360800" cy="1828680"/>
+          <a:ext cx="11360800" cy="4023120"/>
         </p:xfrm>
         <a:graphic>
           <a:graphicData uri="http://schemas.openxmlformats.org/drawingml/2006/table">
@@ -7083,14 +7384,14 @@
                 <a:noFill/>
               </a:tblPr>
               <a:tblGrid>
-                <a:gridCol w="5680400">
+                <a:gridCol w="4388604">
                   <a:extLst>
                     <a:ext uri="{9D8B030D-6E8A-4147-A177-3AD203B41FA5}">
                       <a16:colId xmlns:a16="http://schemas.microsoft.com/office/drawing/2014/main" val="20000"/>
                     </a:ext>
                   </a:extLst>
                 </a:gridCol>
-                <a:gridCol w="5680400">
+                <a:gridCol w="6972196">
                   <a:extLst>
                     <a:ext uri="{9D8B030D-6E8A-4147-A177-3AD203B41FA5}">
                       <a16:colId xmlns:a16="http://schemas.microsoft.com/office/drawing/2014/main" val="20001"/>
@@ -7198,8 +7499,8 @@
                         <a:buNone/>
                       </a:pPr>
                       <a:r>
-                        <a:rPr lang="en-NZ" sz="2400"/>
-                        <a:t>Goes on to </a:t>
+                        <a:rPr lang="en-NZ" sz="2400" dirty="0"/>
+                        <a:t>Save name, Goes on to Enter item name</a:t>
                       </a:r>
                       <a:endParaRPr sz="2400" dirty="0"/>
                     </a:p>
@@ -7227,6 +7528,10 @@
                         </a:spcAft>
                         <a:buNone/>
                       </a:pPr>
+                      <a:r>
+                        <a:rPr lang="en-NZ" sz="2400" dirty="0"/>
+                        <a:t>Enter item names of the combo</a:t>
+                      </a:r>
                       <a:endParaRPr sz="2400" dirty="0"/>
                     </a:p>
                   </a:txBody>
@@ -7246,6 +7551,10 @@
                         </a:spcAft>
                         <a:buNone/>
                       </a:pPr>
+                      <a:r>
+                        <a:rPr lang="en-NZ" sz="2400" dirty="0"/>
+                        <a:t>Goes on to Enter item price</a:t>
+                      </a:r>
                       <a:endParaRPr sz="2400" dirty="0"/>
                     </a:p>
                   </a:txBody>
@@ -7254,6 +7563,173 @@
                 <a:extLst>
                   <a:ext uri="{0D108BD9-81ED-4DB2-BD59-A6C34878D82A}">
                     <a16:rowId xmlns:a16="http://schemas.microsoft.com/office/drawing/2014/main" val="555263479"/>
+                  </a:ext>
+                </a:extLst>
+              </a:tr>
+              <a:tr h="609560">
+                <a:tc>
+                  <a:txBody>
+                    <a:bodyPr/>
+                    <a:lstStyle/>
+                    <a:p>
+                      <a:pPr marL="0" lvl="0" indent="0" algn="l" rtl="0">
+                        <a:spcBef>
+                          <a:spcPts val="0"/>
+                        </a:spcBef>
+                        <a:spcAft>
+                          <a:spcPts val="0"/>
+                        </a:spcAft>
+                        <a:buNone/>
+                      </a:pPr>
+                      <a:r>
+                        <a:rPr lang="en-NZ" sz="2400" dirty="0"/>
+                        <a:t>Enter item price</a:t>
+                      </a:r>
+                      <a:endParaRPr sz="2400" dirty="0"/>
+                    </a:p>
+                  </a:txBody>
+                  <a:tcPr marL="121900" marR="121900" marT="121900" marB="121900"/>
+                </a:tc>
+                <a:tc>
+                  <a:txBody>
+                    <a:bodyPr/>
+                    <a:lstStyle/>
+                    <a:p>
+                      <a:pPr marL="0" lvl="0" indent="0" algn="l" rtl="0">
+                        <a:spcBef>
+                          <a:spcPts val="0"/>
+                        </a:spcBef>
+                        <a:spcAft>
+                          <a:spcPts val="0"/>
+                        </a:spcAft>
+                        <a:buNone/>
+                      </a:pPr>
+                      <a:r>
+                        <a:rPr lang="en-NZ" sz="2400" dirty="0"/>
+                        <a:t>If string, tell them to try again with an integer. Goes on to display combo, items, prices conforming</a:t>
+                      </a:r>
+                      <a:endParaRPr sz="2400" dirty="0"/>
+                    </a:p>
+                  </a:txBody>
+                  <a:tcPr marL="121900" marR="121900" marT="121900" marB="121900"/>
+                </a:tc>
+                <a:extLst>
+                  <a:ext uri="{0D108BD9-81ED-4DB2-BD59-A6C34878D82A}">
+                    <a16:rowId xmlns:a16="http://schemas.microsoft.com/office/drawing/2014/main" val="261160373"/>
+                  </a:ext>
+                </a:extLst>
+              </a:tr>
+              <a:tr h="609560">
+                <a:tc>
+                  <a:txBody>
+                    <a:bodyPr/>
+                    <a:lstStyle/>
+                    <a:p>
+                      <a:pPr marL="0" lvl="0" indent="0" algn="l" rtl="0">
+                        <a:spcBef>
+                          <a:spcPts val="0"/>
+                        </a:spcBef>
+                        <a:spcAft>
+                          <a:spcPts val="0"/>
+                        </a:spcAft>
+                        <a:buNone/>
+                      </a:pPr>
+                      <a:r>
+                        <a:rPr lang="en-NZ" sz="2400" dirty="0"/>
+                        <a:t>display combo, items, prices </a:t>
+                      </a:r>
+                      <a:endParaRPr sz="2400" dirty="0"/>
+                    </a:p>
+                  </a:txBody>
+                  <a:tcPr marL="121900" marR="121900" marT="121900" marB="121900"/>
+                </a:tc>
+                <a:tc>
+                  <a:txBody>
+                    <a:bodyPr/>
+                    <a:lstStyle/>
+                    <a:p>
+                      <a:pPr marL="0" lvl="0" indent="0" algn="l" rtl="0">
+                        <a:spcBef>
+                          <a:spcPts val="0"/>
+                        </a:spcBef>
+                        <a:spcAft>
+                          <a:spcPts val="0"/>
+                        </a:spcAft>
+                        <a:buNone/>
+                      </a:pPr>
+                      <a:r>
+                        <a:rPr lang="en-GB" sz="2400" dirty="0"/>
+                        <a:t>loop until leave a blank and return main</a:t>
+                      </a:r>
+                      <a:endParaRPr sz="2400" dirty="0"/>
+                    </a:p>
+                  </a:txBody>
+                  <a:tcPr marL="121900" marR="121900" marT="121900" marB="121900"/>
+                </a:tc>
+                <a:extLst>
+                  <a:ext uri="{0D108BD9-81ED-4DB2-BD59-A6C34878D82A}">
+                    <a16:rowId xmlns:a16="http://schemas.microsoft.com/office/drawing/2014/main" val="185504506"/>
+                  </a:ext>
+                </a:extLst>
+              </a:tr>
+              <a:tr h="609560">
+                <a:tc>
+                  <a:txBody>
+                    <a:bodyPr/>
+                    <a:lstStyle/>
+                    <a:p>
+                      <a:pPr marL="0" lvl="0" indent="0" algn="l" rtl="0">
+                        <a:spcBef>
+                          <a:spcPts val="0"/>
+                        </a:spcBef>
+                        <a:spcAft>
+                          <a:spcPts val="0"/>
+                        </a:spcAft>
+                        <a:buNone/>
+                      </a:pPr>
+                      <a:r>
+                        <a:rPr lang="en-NZ" sz="2400" dirty="0"/>
+                        <a:t>combo save successful</a:t>
+                      </a:r>
+                      <a:endParaRPr sz="2400" dirty="0"/>
+                    </a:p>
+                  </a:txBody>
+                  <a:tcPr marL="121900" marR="121900" marT="121900" marB="121900"/>
+                </a:tc>
+                <a:tc>
+                  <a:txBody>
+                    <a:bodyPr/>
+                    <a:lstStyle/>
+                    <a:p>
+                      <a:pPr marL="0" lvl="0" indent="0" algn="l" rtl="0">
+                        <a:spcBef>
+                          <a:spcPts val="0"/>
+                        </a:spcBef>
+                        <a:spcAft>
+                          <a:spcPts val="0"/>
+                        </a:spcAft>
+                        <a:buNone/>
+                      </a:pPr>
+                      <a:r>
+                        <a:rPr lang="en-NZ" sz="2400" dirty="0"/>
+                        <a:t>Display {</a:t>
+                      </a:r>
+                      <a:r>
+                        <a:rPr lang="en-NZ" sz="2400" dirty="0" err="1"/>
+                        <a:t>combo_name</a:t>
+                      </a:r>
+                      <a:r>
+                        <a:rPr lang="en-NZ" sz="2400" dirty="0"/>
+                        <a:t>} added successfully!</a:t>
+                      </a:r>
+                      <a:endParaRPr sz="2400" dirty="0"/>
+                    </a:p>
+                  </a:txBody>
+                  <a:tcPr marL="121900" marR="121900" marT="121900" marB="121900"/>
+                </a:tc>
+                <a:extLst>
+                  <a:ext uri="{0D108BD9-81ED-4DB2-BD59-A6C34878D82A}">
+                    <a16:rowId xmlns:a16="http://schemas.microsoft.com/office/drawing/2014/main" val="936183093"/>
                   </a:ext>
                 </a:extLst>
               </a:tr>
@@ -7367,7 +7843,15 @@
           <a:p>
             <a:r>
               <a:rPr lang="en-NZ" sz="4000" dirty="0"/>
-              <a:t>[Component name]: Trialling </a:t>
+              <a:t>[</a:t>
+            </a:r>
+            <a:r>
+              <a:rPr lang="en-NZ" sz="4000"/>
+              <a:t>Add combo]: </a:t>
+            </a:r>
+            <a:r>
+              <a:rPr lang="en-NZ" sz="4000" dirty="0"/>
+              <a:t>Trialling </a:t>
             </a:r>
           </a:p>
         </p:txBody>
@@ -7482,7 +7966,7 @@
           <a:p>
             <a:r>
               <a:rPr lang="en-NZ" dirty="0"/>
-              <a:t>[Component name]: Testing </a:t>
+              <a:t>[Add Combo]: Testing </a:t>
             </a:r>
           </a:p>
         </p:txBody>
@@ -7502,7 +7986,7 @@
         <p:spPr>
           <a:xfrm>
             <a:off x="749300" y="1081088"/>
-            <a:ext cx="10693400" cy="646331"/>
+            <a:ext cx="6842991" cy="646331"/>
           </a:xfrm>
           <a:prstGeom prst="rect">
             <a:avLst/>
@@ -7522,6 +8006,186 @@
           </a:p>
         </p:txBody>
       </p:sp>
+      <p:pic>
+        <p:nvPicPr>
+          <p:cNvPr id="12" name="Picture 11">
+            <a:extLst>
+              <a:ext uri="{FF2B5EF4-FFF2-40B4-BE49-F238E27FC236}">
+                <a16:creationId xmlns:a16="http://schemas.microsoft.com/office/drawing/2014/main" id="{65B56292-2E67-005B-6E4B-F4DCF48144D5}"/>
+              </a:ext>
+            </a:extLst>
+          </p:cNvPr>
+          <p:cNvPicPr>
+            <a:picLocks noChangeAspect="1"/>
+          </p:cNvPicPr>
+          <p:nvPr/>
+        </p:nvPicPr>
+        <p:blipFill>
+          <a:blip r:embed="rId3"/>
+          <a:stretch>
+            <a:fillRect/>
+          </a:stretch>
+        </p:blipFill>
+        <p:spPr>
+          <a:xfrm>
+            <a:off x="8169791" y="332153"/>
+            <a:ext cx="2606508" cy="1088217"/>
+          </a:xfrm>
+          <a:prstGeom prst="rect">
+            <a:avLst/>
+          </a:prstGeom>
+        </p:spPr>
+      </p:pic>
+      <p:pic>
+        <p:nvPicPr>
+          <p:cNvPr id="13" name="Picture 12">
+            <a:extLst>
+              <a:ext uri="{FF2B5EF4-FFF2-40B4-BE49-F238E27FC236}">
+                <a16:creationId xmlns:a16="http://schemas.microsoft.com/office/drawing/2014/main" id="{4BA1267D-7175-0FE3-E8F7-740306F98D93}"/>
+              </a:ext>
+            </a:extLst>
+          </p:cNvPr>
+          <p:cNvPicPr>
+            <a:picLocks noChangeAspect="1"/>
+          </p:cNvPicPr>
+          <p:nvPr/>
+        </p:nvPicPr>
+        <p:blipFill>
+          <a:blip r:embed="rId4"/>
+          <a:stretch>
+            <a:fillRect/>
+          </a:stretch>
+        </p:blipFill>
+        <p:spPr>
+          <a:xfrm>
+            <a:off x="8169791" y="1689013"/>
+            <a:ext cx="2606508" cy="1081700"/>
+          </a:xfrm>
+          <a:prstGeom prst="rect">
+            <a:avLst/>
+          </a:prstGeom>
+        </p:spPr>
+      </p:pic>
+      <p:pic>
+        <p:nvPicPr>
+          <p:cNvPr id="14" name="Picture 13">
+            <a:extLst>
+              <a:ext uri="{FF2B5EF4-FFF2-40B4-BE49-F238E27FC236}">
+                <a16:creationId xmlns:a16="http://schemas.microsoft.com/office/drawing/2014/main" id="{354BDA29-9094-8AE5-C52E-846AAC9D6643}"/>
+              </a:ext>
+            </a:extLst>
+          </p:cNvPr>
+          <p:cNvPicPr>
+            <a:picLocks noChangeAspect="1"/>
+          </p:cNvPicPr>
+          <p:nvPr/>
+        </p:nvPicPr>
+        <p:blipFill>
+          <a:blip r:embed="rId5"/>
+          <a:stretch>
+            <a:fillRect/>
+          </a:stretch>
+        </p:blipFill>
+        <p:spPr>
+          <a:xfrm>
+            <a:off x="8169791" y="3046108"/>
+            <a:ext cx="2606508" cy="1068668"/>
+          </a:xfrm>
+          <a:prstGeom prst="rect">
+            <a:avLst/>
+          </a:prstGeom>
+        </p:spPr>
+      </p:pic>
+      <p:pic>
+        <p:nvPicPr>
+          <p:cNvPr id="15" name="Picture 14">
+            <a:extLst>
+              <a:ext uri="{FF2B5EF4-FFF2-40B4-BE49-F238E27FC236}">
+                <a16:creationId xmlns:a16="http://schemas.microsoft.com/office/drawing/2014/main" id="{9FC0CAFC-E898-B859-B47C-676446634DD0}"/>
+              </a:ext>
+            </a:extLst>
+          </p:cNvPr>
+          <p:cNvPicPr>
+            <a:picLocks noChangeAspect="1"/>
+          </p:cNvPicPr>
+          <p:nvPr/>
+        </p:nvPicPr>
+        <p:blipFill>
+          <a:blip r:embed="rId6"/>
+          <a:stretch>
+            <a:fillRect/>
+          </a:stretch>
+        </p:blipFill>
+        <p:spPr>
+          <a:xfrm>
+            <a:off x="8169791" y="4390171"/>
+            <a:ext cx="2606508" cy="1068668"/>
+          </a:xfrm>
+          <a:prstGeom prst="rect">
+            <a:avLst/>
+          </a:prstGeom>
+        </p:spPr>
+      </p:pic>
+      <p:pic>
+        <p:nvPicPr>
+          <p:cNvPr id="16" name="Picture 15">
+            <a:extLst>
+              <a:ext uri="{FF2B5EF4-FFF2-40B4-BE49-F238E27FC236}">
+                <a16:creationId xmlns:a16="http://schemas.microsoft.com/office/drawing/2014/main" id="{AB9F631E-0318-685B-5186-D2F5CC94C7AF}"/>
+              </a:ext>
+            </a:extLst>
+          </p:cNvPr>
+          <p:cNvPicPr>
+            <a:picLocks noChangeAspect="1"/>
+          </p:cNvPicPr>
+          <p:nvPr/>
+        </p:nvPicPr>
+        <p:blipFill>
+          <a:blip r:embed="rId7"/>
+          <a:stretch>
+            <a:fillRect/>
+          </a:stretch>
+        </p:blipFill>
+        <p:spPr>
+          <a:xfrm>
+            <a:off x="8169791" y="5734234"/>
+            <a:ext cx="2606508" cy="885181"/>
+          </a:xfrm>
+          <a:prstGeom prst="rect">
+            <a:avLst/>
+          </a:prstGeom>
+        </p:spPr>
+      </p:pic>
+      <p:pic>
+        <p:nvPicPr>
+          <p:cNvPr id="8" name="Picture 7">
+            <a:extLst>
+              <a:ext uri="{FF2B5EF4-FFF2-40B4-BE49-F238E27FC236}">
+                <a16:creationId xmlns:a16="http://schemas.microsoft.com/office/drawing/2014/main" id="{813D232A-ED53-D314-5D2C-C33B9A4BC7C2}"/>
+              </a:ext>
+            </a:extLst>
+          </p:cNvPr>
+          <p:cNvPicPr>
+            <a:picLocks noChangeAspect="1"/>
+          </p:cNvPicPr>
+          <p:nvPr/>
+        </p:nvPicPr>
+        <p:blipFill>
+          <a:blip r:embed="rId8"/>
+          <a:stretch>
+            <a:fillRect/>
+          </a:stretch>
+        </p:blipFill>
+        <p:spPr>
+          <a:xfrm>
+            <a:off x="182531" y="2192877"/>
+            <a:ext cx="7698510" cy="2731628"/>
+          </a:xfrm>
+          <a:prstGeom prst="rect">
+            <a:avLst/>
+          </a:prstGeom>
+        </p:spPr>
+      </p:pic>
     </p:spTree>
     <p:extLst>
       <p:ext uri="{BB962C8B-B14F-4D97-AF65-F5344CB8AC3E}">
@@ -8240,6 +8904,14 @@
 </file>
 
 <file path=customXml/item1.xml><?xml version="1.0" encoding="utf-8"?>
+<p:properties xmlns:p="http://schemas.microsoft.com/office/2006/metadata/properties" xmlns:xsi="http://www.w3.org/2001/XMLSchema-instance" xmlns:pc="http://schemas.microsoft.com/office/infopath/2007/PartnerControls">
+  <documentManagement>
+    <ReferenceId xmlns="e38b8155-5114-47b0-a9fa-eb229fbfe015" xsi:nil="true"/>
+  </documentManagement>
+</p:properties>
+</file>
+
+<file path=customXml/item2.xml><?xml version="1.0" encoding="utf-8"?>
 <ct:contentTypeSchema xmlns:ct="http://schemas.microsoft.com/office/2006/metadata/contentType" xmlns:ma="http://schemas.microsoft.com/office/2006/metadata/properties/metaAttributes" ct:_="" ma:_="" ma:contentTypeName="Document" ma:contentTypeID="0x010100CF1FA5F42E32064EBC712696EE2EC419" ma:contentTypeVersion="1" ma:contentTypeDescription="Create a new document." ma:contentTypeScope="" ma:versionID="8da24ec2fec523de482f60ce898ffe29">
   <xsd:schema xmlns:xsd="http://www.w3.org/2001/XMLSchema" xmlns:xs="http://www.w3.org/2001/XMLSchema" xmlns:p="http://schemas.microsoft.com/office/2006/metadata/properties" xmlns:ns2="e38b8155-5114-47b0-a9fa-eb229fbfe015" targetNamespace="http://schemas.microsoft.com/office/2006/metadata/properties" ma:root="true" ma:fieldsID="1e3f358edf1a5d679493ec63a22a5273" ns2:_="">
     <xsd:import namespace="e38b8155-5114-47b0-a9fa-eb229fbfe015"/>
@@ -8365,14 +9037,6 @@
 </ct:contentTypeSchema>
 </file>
 
-<file path=customXml/item2.xml><?xml version="1.0" encoding="utf-8"?>
-<p:properties xmlns:p="http://schemas.microsoft.com/office/2006/metadata/properties" xmlns:xsi="http://www.w3.org/2001/XMLSchema-instance" xmlns:pc="http://schemas.microsoft.com/office/infopath/2007/PartnerControls">
-  <documentManagement>
-    <ReferenceId xmlns="e38b8155-5114-47b0-a9fa-eb229fbfe015" xsi:nil="true"/>
-  </documentManagement>
-</p:properties>
-</file>
-
 <file path=customXml/item3.xml><?xml version="1.0" encoding="utf-8"?>
 <?mso-contentType ?>
 <FormTemplates xmlns="http://schemas.microsoft.com/sharepoint/v3/contenttype/forms">
@@ -8383,6 +9047,22 @@
 </file>
 
 <file path=customXml/itemProps1.xml><?xml version="1.0" encoding="utf-8"?>
+<ds:datastoreItem xmlns:ds="http://schemas.openxmlformats.org/officeDocument/2006/customXml" ds:itemID="{DA46E379-F785-4EC3-9D7D-4625EC2D6FE4}">
+  <ds:schemaRefs>
+    <ds:schemaRef ds:uri="http://schemas.microsoft.com/office/2006/documentManagement/types"/>
+    <ds:schemaRef ds:uri="http://www.w3.org/XML/1998/namespace"/>
+    <ds:schemaRef ds:uri="http://purl.org/dc/elements/1.1/"/>
+    <ds:schemaRef ds:uri="http://schemas.microsoft.com/office/2006/metadata/properties"/>
+    <ds:schemaRef ds:uri="e38b8155-5114-47b0-a9fa-eb229fbfe015"/>
+    <ds:schemaRef ds:uri="http://schemas.openxmlformats.org/package/2006/metadata/core-properties"/>
+    <ds:schemaRef ds:uri="http://purl.org/dc/dcmitype/"/>
+    <ds:schemaRef ds:uri="http://schemas.microsoft.com/office/infopath/2007/PartnerControls"/>
+    <ds:schemaRef ds:uri="http://purl.org/dc/terms/"/>
+  </ds:schemaRefs>
+</ds:datastoreItem>
+</file>
+
+<file path=customXml/itemProps2.xml><?xml version="1.0" encoding="utf-8"?>
 <ds:datastoreItem xmlns:ds="http://schemas.openxmlformats.org/officeDocument/2006/customXml" ds:itemID="{46D95F95-BD04-4506-AA32-6C1F5D8BD8BD}">
   <ds:schemaRefs>
     <ds:schemaRef ds:uri="http://schemas.microsoft.com/office/2006/metadata/contentType"/>
@@ -8400,22 +9080,6 @@
 </ds:datastoreItem>
 </file>
 
-<file path=customXml/itemProps2.xml><?xml version="1.0" encoding="utf-8"?>
-<ds:datastoreItem xmlns:ds="http://schemas.openxmlformats.org/officeDocument/2006/customXml" ds:itemID="{DA46E379-F785-4EC3-9D7D-4625EC2D6FE4}">
-  <ds:schemaRefs>
-    <ds:schemaRef ds:uri="http://schemas.microsoft.com/office/2006/documentManagement/types"/>
-    <ds:schemaRef ds:uri="http://www.w3.org/XML/1998/namespace"/>
-    <ds:schemaRef ds:uri="http://purl.org/dc/elements/1.1/"/>
-    <ds:schemaRef ds:uri="http://schemas.microsoft.com/office/2006/metadata/properties"/>
-    <ds:schemaRef ds:uri="e38b8155-5114-47b0-a9fa-eb229fbfe015"/>
-    <ds:schemaRef ds:uri="http://schemas.openxmlformats.org/package/2006/metadata/core-properties"/>
-    <ds:schemaRef ds:uri="http://purl.org/dc/dcmitype/"/>
-    <ds:schemaRef ds:uri="http://schemas.microsoft.com/office/infopath/2007/PartnerControls"/>
-    <ds:schemaRef ds:uri="http://purl.org/dc/terms/"/>
-  </ds:schemaRefs>
-</ds:datastoreItem>
-</file>
-
 <file path=customXml/itemProps3.xml><?xml version="1.0" encoding="utf-8"?>
 <ds:datastoreItem xmlns:ds="http://schemas.openxmlformats.org/officeDocument/2006/customXml" ds:itemID="{850509B3-B737-4CBB-82EF-E3EDD3E90B92}">
   <ds:schemaRefs>

--- a/2.7 and 2.8 Documentation Template .pptx
+++ b/2.7 and 2.8 Documentation Template .pptx
@@ -129,7 +129,7 @@
 <file path=ppt/revisionInfo.xml><?xml version="1.0" encoding="utf-8"?>
 <p1510:revInfo xmlns:a="http://schemas.openxmlformats.org/drawingml/2006/main" xmlns:r="http://schemas.openxmlformats.org/officeDocument/2006/relationships" xmlns:p1510="http://schemas.microsoft.com/office/powerpoint/2015/10/main">
   <p1510:revLst>
-    <p1510:client id="{1A2AD167-03BD-4192-8625-971A44F5C939}" v="32" dt="2024-04-28T10:20:53.819"/>
+    <p1510:client id="{1A2AD167-03BD-4192-8625-971A44F5C939}" v="49" dt="2024-04-28T10:42:36.083"/>
   </p1510:revLst>
 </p1510:revInfo>
 </file>
@@ -139,7 +139,7 @@
   <pc:docChgLst>
     <pc:chgData name="Thomas Xu" userId="72a40c57-58f8-4deb-8f71-c52d4941dc1d" providerId="ADAL" clId="{1A2AD167-03BD-4192-8625-971A44F5C939}"/>
     <pc:docChg chg="undo custSel addSld delSld modSld">
-      <pc:chgData name="Thomas Xu" userId="72a40c57-58f8-4deb-8f71-c52d4941dc1d" providerId="ADAL" clId="{1A2AD167-03BD-4192-8625-971A44F5C939}" dt="2024-04-28T10:20:53.819" v="1343"/>
+      <pc:chgData name="Thomas Xu" userId="72a40c57-58f8-4deb-8f71-c52d4941dc1d" providerId="ADAL" clId="{1A2AD167-03BD-4192-8625-971A44F5C939}" dt="2024-04-28T10:38:48.660" v="1363"/>
       <pc:docMkLst>
         <pc:docMk/>
       </pc:docMkLst>
@@ -167,7 +167,7 @@
         </pc:spChg>
       </pc:sldChg>
       <pc:sldChg chg="addSp delSp modSp mod">
-        <pc:chgData name="Thomas Xu" userId="72a40c57-58f8-4deb-8f71-c52d4941dc1d" providerId="ADAL" clId="{1A2AD167-03BD-4192-8625-971A44F5C939}" dt="2024-04-08T22:29:24.706" v="233"/>
+        <pc:chgData name="Thomas Xu" userId="72a40c57-58f8-4deb-8f71-c52d4941dc1d" providerId="ADAL" clId="{1A2AD167-03BD-4192-8625-971A44F5C939}" dt="2024-04-28T10:38:48.660" v="1363"/>
         <pc:sldMkLst>
           <pc:docMk/>
           <pc:sldMk cId="3838895173" sldId="258"/>
@@ -197,7 +197,7 @@
           </ac:spMkLst>
         </pc:spChg>
         <pc:spChg chg="mod">
-          <ac:chgData name="Thomas Xu" userId="72a40c57-58f8-4deb-8f71-c52d4941dc1d" providerId="ADAL" clId="{1A2AD167-03BD-4192-8625-971A44F5C939}" dt="2024-04-08T22:29:24.706" v="233"/>
+          <ac:chgData name="Thomas Xu" userId="72a40c57-58f8-4deb-8f71-c52d4941dc1d" providerId="ADAL" clId="{1A2AD167-03BD-4192-8625-971A44F5C939}" dt="2024-04-28T10:38:48.660" v="1363"/>
           <ac:spMkLst>
             <pc:docMk/>
             <pc:sldMk cId="3838895173" sldId="258"/>
@@ -324,8 +324,8 @@
           </ac:picMkLst>
         </pc:picChg>
       </pc:sldChg>
-      <pc:sldChg chg="addSp delSp mod">
-        <pc:chgData name="Thomas Xu" userId="72a40c57-58f8-4deb-8f71-c52d4941dc1d" providerId="ADAL" clId="{1A2AD167-03BD-4192-8625-971A44F5C939}" dt="2024-04-11T23:37:57.828" v="1132" actId="22"/>
+      <pc:sldChg chg="addSp delSp modSp mod">
+        <pc:chgData name="Thomas Xu" userId="72a40c57-58f8-4deb-8f71-c52d4941dc1d" providerId="ADAL" clId="{1A2AD167-03BD-4192-8625-971A44F5C939}" dt="2024-04-28T10:32:31.651" v="1346" actId="1076"/>
         <pc:sldMkLst>
           <pc:docMk/>
           <pc:sldMk cId="1357549755" sldId="261"/>
@@ -338,6 +338,14 @@
             <ac:spMk id="5" creationId="{BAC8D65A-91CA-AF85-9F79-9A679E746255}"/>
           </ac:spMkLst>
         </pc:spChg>
+        <pc:picChg chg="add mod">
+          <ac:chgData name="Thomas Xu" userId="72a40c57-58f8-4deb-8f71-c52d4941dc1d" providerId="ADAL" clId="{1A2AD167-03BD-4192-8625-971A44F5C939}" dt="2024-04-28T10:32:31.651" v="1346" actId="1076"/>
+          <ac:picMkLst>
+            <pc:docMk/>
+            <pc:sldMk cId="1357549755" sldId="261"/>
+            <ac:picMk id="5" creationId="{409D9F6C-9DB6-3FC0-346A-B9E18530C0CD}"/>
+          </ac:picMkLst>
+        </pc:picChg>
       </pc:sldChg>
       <pc:sldChg chg="addSp modSp mod">
         <pc:chgData name="Thomas Xu" userId="72a40c57-58f8-4deb-8f71-c52d4941dc1d" providerId="ADAL" clId="{1A2AD167-03BD-4192-8625-971A44F5C939}" dt="2024-04-11T23:41:59.960" v="1152" actId="122"/>
@@ -385,14 +393,22 @@
           </ac:graphicFrameMkLst>
         </pc:graphicFrameChg>
       </pc:sldChg>
-      <pc:sldChg chg="modSp">
-        <pc:chgData name="Thomas Xu" userId="72a40c57-58f8-4deb-8f71-c52d4941dc1d" providerId="ADAL" clId="{1A2AD167-03BD-4192-8625-971A44F5C939}" dt="2024-04-28T10:20:53.819" v="1343"/>
+      <pc:sldChg chg="modSp mod">
+        <pc:chgData name="Thomas Xu" userId="72a40c57-58f8-4deb-8f71-c52d4941dc1d" providerId="ADAL" clId="{1A2AD167-03BD-4192-8625-971A44F5C939}" dt="2024-04-28T10:37:56.053" v="1362" actId="2165"/>
         <pc:sldMkLst>
           <pc:docMk/>
           <pc:sldMk cId="1053444694" sldId="270"/>
         </pc:sldMkLst>
-        <pc:graphicFrameChg chg="mod">
-          <ac:chgData name="Thomas Xu" userId="72a40c57-58f8-4deb-8f71-c52d4941dc1d" providerId="ADAL" clId="{1A2AD167-03BD-4192-8625-971A44F5C939}" dt="2024-04-28T10:20:53.819" v="1343"/>
+        <pc:spChg chg="mod">
+          <ac:chgData name="Thomas Xu" userId="72a40c57-58f8-4deb-8f71-c52d4941dc1d" providerId="ADAL" clId="{1A2AD167-03BD-4192-8625-971A44F5C939}" dt="2024-04-28T10:32:44.508" v="1349" actId="14100"/>
+          <ac:spMkLst>
+            <pc:docMk/>
+            <pc:sldMk cId="1053444694" sldId="270"/>
+            <ac:spMk id="2" creationId="{0D168B5A-EFF4-4803-8DA6-5994B306EBAF}"/>
+          </ac:spMkLst>
+        </pc:spChg>
+        <pc:graphicFrameChg chg="mod modGraphic">
+          <ac:chgData name="Thomas Xu" userId="72a40c57-58f8-4deb-8f71-c52d4941dc1d" providerId="ADAL" clId="{1A2AD167-03BD-4192-8625-971A44F5C939}" dt="2024-04-28T10:37:56.053" v="1362" actId="2165"/>
           <ac:graphicFrameMkLst>
             <pc:docMk/>
             <pc:sldMk cId="1053444694" sldId="270"/>
@@ -5726,14 +5742,14 @@
           <p:nvPr>
             <p:extLst>
               <p:ext uri="{D42A27DB-BD31-4B8C-83A1-F6EECF244321}">
-                <p14:modId xmlns:p14="http://schemas.microsoft.com/office/powerpoint/2010/main" val="1215146076"/>
+                <p14:modId xmlns:p14="http://schemas.microsoft.com/office/powerpoint/2010/main" val="2938601378"/>
               </p:ext>
             </p:extLst>
           </p:nvPr>
         </p:nvGraphicFramePr>
         <p:xfrm>
-          <a:off x="782320" y="1213485"/>
-          <a:ext cx="10627360" cy="2392680"/>
+          <a:off x="812800" y="1213485"/>
+          <a:ext cx="10596880" cy="4485640"/>
         </p:xfrm>
         <a:graphic>
           <a:graphicData uri="http://schemas.openxmlformats.org/drawingml/2006/table">
@@ -5742,7 +5758,7 @@
                 <a:tableStyleId>{5C22544A-7EE6-4342-B048-85BDC9FD1C3A}</a:tableStyleId>
               </a:tblPr>
               <a:tblGrid>
-                <a:gridCol w="3505200">
+                <a:gridCol w="3474720">
                   <a:extLst>
                     <a:ext uri="{9D8B030D-6E8A-4147-A177-3AD203B41FA5}">
                       <a16:colId xmlns:a16="http://schemas.microsoft.com/office/drawing/2014/main" val="2849256304"/>
@@ -5817,6 +5833,10 @@
                     <a:bodyPr/>
                     <a:lstStyle/>
                     <a:p>
+                      <a:r>
+                        <a:rPr lang="en-GB" dirty="0"/>
+                        <a:t>This application helps you manage menu combos. You can add a combo by giving it a name and listing items with prices. You can also find a combo by its name and see the details. If you don't need a combo anymore, you can delete it. There's an option to show all combos, and when you're done, you can exit. These are the basic functions to manage menu combos.</a:t>
+                      </a:r>
                       <a:endParaRPr lang="en-NZ" dirty="0"/>
                     </a:p>
                   </a:txBody>
@@ -5867,6 +5887,38 @@
                     <a:bodyPr/>
                     <a:lstStyle/>
                     <a:p>
+                      <a:r>
+                        <a:rPr lang="en-GB" sz="1800" b="0" i="0" kern="1200" dirty="0">
+                          <a:solidFill>
+                            <a:schemeClr val="dk1"/>
+                          </a:solidFill>
+                          <a:effectLst/>
+                          <a:latin typeface="+mn-lt"/>
+                          <a:ea typeface="+mn-ea"/>
+                          <a:cs typeface="+mn-cs"/>
+                        </a:rPr>
+                        <a:t>Using this application is easy because of the “</a:t>
+                      </a:r>
+                      <a:r>
+                        <a:rPr lang="en-GB" dirty="0" err="1"/>
+                        <a:t>easygui</a:t>
+                      </a:r>
+                      <a:r>
+                        <a:rPr lang="en-GB" dirty="0"/>
+                        <a:t>”</a:t>
+                      </a:r>
+                      <a:r>
+                        <a:rPr lang="en-GB" sz="1800" b="0" i="0" kern="1200" dirty="0">
+                          <a:solidFill>
+                            <a:schemeClr val="dk1"/>
+                          </a:solidFill>
+                          <a:effectLst/>
+                          <a:latin typeface="+mn-lt"/>
+                          <a:ea typeface="+mn-ea"/>
+                          <a:cs typeface="+mn-cs"/>
+                        </a:rPr>
+                        <a:t> library. You don't have to write any commands. Just click on buttons and enter information in pop-ups. The app gives clear instructions, and if you make a mistake, it shows an error message. You can do different tasks without restarting the app, which makes it user-friendly.</a:t>
+                      </a:r>
                       <a:endParaRPr lang="en-NZ" dirty="0"/>
                     </a:p>
                   </a:txBody>
@@ -5878,7 +5930,7 @@
                   </a:ext>
                 </a:extLst>
               </a:tr>
-              <a:tr h="370840">
+              <a:tr h="395951">
                 <a:tc>
                   <a:txBody>
                     <a:bodyPr/>
@@ -5917,6 +5969,18 @@
                     <a:bodyPr/>
                     <a:lstStyle/>
                     <a:p>
+                      <a:r>
+                        <a:rPr lang="en-GB" sz="1800" b="0" i="0" kern="1200" dirty="0">
+                          <a:solidFill>
+                            <a:schemeClr val="dk1"/>
+                          </a:solidFill>
+                          <a:effectLst/>
+                          <a:latin typeface="+mn-lt"/>
+                          <a:ea typeface="+mn-ea"/>
+                          <a:cs typeface="+mn-cs"/>
+                        </a:rPr>
+                        <a:t>The application has a simple and clean design. The text is easy to read, and the pop-ups are clear. The language is simple, and the messages are helpful, so it's not confusing. The design isn't cluttered, which makes it pleasant to use. Overall, it looks nice and is easy to understand.</a:t>
+                      </a:r>
                       <a:endParaRPr lang="en-NZ" dirty="0"/>
                     </a:p>
                   </a:txBody>
@@ -5925,33 +5989,6 @@
                 <a:extLst>
                   <a:ext uri="{0D108BD9-81ED-4DB2-BD59-A6C34878D82A}">
                     <a16:rowId xmlns:a16="http://schemas.microsoft.com/office/drawing/2014/main" val="1686164491"/>
-                  </a:ext>
-                </a:extLst>
-              </a:tr>
-              <a:tr h="370840">
-                <a:tc>
-                  <a:txBody>
-                    <a:bodyPr/>
-                    <a:lstStyle/>
-                    <a:p>
-                      <a:endParaRPr lang="en-NZ" dirty="0"/>
-                    </a:p>
-                  </a:txBody>
-                  <a:tcPr/>
-                </a:tc>
-                <a:tc>
-                  <a:txBody>
-                    <a:bodyPr/>
-                    <a:lstStyle/>
-                    <a:p>
-                      <a:endParaRPr lang="en-NZ" dirty="0"/>
-                    </a:p>
-                  </a:txBody>
-                  <a:tcPr/>
-                </a:tc>
-                <a:extLst>
-                  <a:ext uri="{0D108BD9-81ED-4DB2-BD59-A6C34878D82A}">
-                    <a16:rowId xmlns:a16="http://schemas.microsoft.com/office/drawing/2014/main" val="1038612699"/>
                   </a:ext>
                 </a:extLst>
               </a:tr>
@@ -6073,6 +6110,36 @@
           </a:p>
         </p:txBody>
       </p:sp>
+      <p:pic>
+        <p:nvPicPr>
+          <p:cNvPr id="5" name="Picture 4">
+            <a:extLst>
+              <a:ext uri="{FF2B5EF4-FFF2-40B4-BE49-F238E27FC236}">
+                <a16:creationId xmlns:a16="http://schemas.microsoft.com/office/drawing/2014/main" id="{409D9F6C-9DB6-3FC0-346A-B9E18530C0CD}"/>
+              </a:ext>
+            </a:extLst>
+          </p:cNvPr>
+          <p:cNvPicPr>
+            <a:picLocks noChangeAspect="1"/>
+          </p:cNvPicPr>
+          <p:nvPr/>
+        </p:nvPicPr>
+        <p:blipFill>
+          <a:blip r:embed="rId3"/>
+          <a:stretch>
+            <a:fillRect/>
+          </a:stretch>
+        </p:blipFill>
+        <p:spPr>
+          <a:xfrm>
+            <a:off x="1251527" y="2564805"/>
+            <a:ext cx="10002982" cy="3312202"/>
+          </a:xfrm>
+          <a:prstGeom prst="rect">
+            <a:avLst/>
+          </a:prstGeom>
+        </p:spPr>
+      </p:pic>
     </p:spTree>
     <p:extLst>
       <p:ext uri="{BB962C8B-B14F-4D97-AF65-F5344CB8AC3E}">
@@ -6621,7 +6688,24 @@
                   <a:srgbClr val="274E13"/>
                 </a:solidFill>
               </a:rPr>
-              <a:t>Link to final version of your program: [here]</a:t>
+              <a:t>Link to final version of your program: [</a:t>
+            </a:r>
+            <a:r>
+              <a:rPr lang="en-NZ" sz="2000" b="1" dirty="0">
+                <a:solidFill>
+                  <a:srgbClr val="274E13"/>
+                </a:solidFill>
+                <a:hlinkClick r:id="rId4"/>
+              </a:rPr>
+              <a:t>https://github.com/mgsthomasxu/pre-assessment/blob/main/final_version_burger_combo.py</a:t>
+            </a:r>
+            <a:r>
+              <a:rPr lang="en-NZ" sz="2000" b="1" dirty="0">
+                <a:solidFill>
+                  <a:srgbClr val="274E13"/>
+                </a:solidFill>
+              </a:rPr>
+              <a:t>]</a:t>
             </a:r>
           </a:p>
           <a:p>
@@ -8904,14 +8988,6 @@
 </file>
 
 <file path=customXml/item1.xml><?xml version="1.0" encoding="utf-8"?>
-<p:properties xmlns:p="http://schemas.microsoft.com/office/2006/metadata/properties" xmlns:xsi="http://www.w3.org/2001/XMLSchema-instance" xmlns:pc="http://schemas.microsoft.com/office/infopath/2007/PartnerControls">
-  <documentManagement>
-    <ReferenceId xmlns="e38b8155-5114-47b0-a9fa-eb229fbfe015" xsi:nil="true"/>
-  </documentManagement>
-</p:properties>
-</file>
-
-<file path=customXml/item2.xml><?xml version="1.0" encoding="utf-8"?>
 <ct:contentTypeSchema xmlns:ct="http://schemas.microsoft.com/office/2006/metadata/contentType" xmlns:ma="http://schemas.microsoft.com/office/2006/metadata/properties/metaAttributes" ct:_="" ma:_="" ma:contentTypeName="Document" ma:contentTypeID="0x010100CF1FA5F42E32064EBC712696EE2EC419" ma:contentTypeVersion="1" ma:contentTypeDescription="Create a new document." ma:contentTypeScope="" ma:versionID="8da24ec2fec523de482f60ce898ffe29">
   <xsd:schema xmlns:xsd="http://www.w3.org/2001/XMLSchema" xmlns:xs="http://www.w3.org/2001/XMLSchema" xmlns:p="http://schemas.microsoft.com/office/2006/metadata/properties" xmlns:ns2="e38b8155-5114-47b0-a9fa-eb229fbfe015" targetNamespace="http://schemas.microsoft.com/office/2006/metadata/properties" ma:root="true" ma:fieldsID="1e3f358edf1a5d679493ec63a22a5273" ns2:_="">
     <xsd:import namespace="e38b8155-5114-47b0-a9fa-eb229fbfe015"/>
@@ -9037,6 +9113,14 @@
 </ct:contentTypeSchema>
 </file>
 
+<file path=customXml/item2.xml><?xml version="1.0" encoding="utf-8"?>
+<p:properties xmlns:p="http://schemas.microsoft.com/office/2006/metadata/properties" xmlns:xsi="http://www.w3.org/2001/XMLSchema-instance" xmlns:pc="http://schemas.microsoft.com/office/infopath/2007/PartnerControls">
+  <documentManagement>
+    <ReferenceId xmlns="e38b8155-5114-47b0-a9fa-eb229fbfe015" xsi:nil="true"/>
+  </documentManagement>
+</p:properties>
+</file>
+
 <file path=customXml/item3.xml><?xml version="1.0" encoding="utf-8"?>
 <?mso-contentType ?>
 <FormTemplates xmlns="http://schemas.microsoft.com/sharepoint/v3/contenttype/forms">
@@ -9047,22 +9131,6 @@
 </file>
 
 <file path=customXml/itemProps1.xml><?xml version="1.0" encoding="utf-8"?>
-<ds:datastoreItem xmlns:ds="http://schemas.openxmlformats.org/officeDocument/2006/customXml" ds:itemID="{DA46E379-F785-4EC3-9D7D-4625EC2D6FE4}">
-  <ds:schemaRefs>
-    <ds:schemaRef ds:uri="http://schemas.microsoft.com/office/2006/documentManagement/types"/>
-    <ds:schemaRef ds:uri="http://www.w3.org/XML/1998/namespace"/>
-    <ds:schemaRef ds:uri="http://purl.org/dc/elements/1.1/"/>
-    <ds:schemaRef ds:uri="http://schemas.microsoft.com/office/2006/metadata/properties"/>
-    <ds:schemaRef ds:uri="e38b8155-5114-47b0-a9fa-eb229fbfe015"/>
-    <ds:schemaRef ds:uri="http://schemas.openxmlformats.org/package/2006/metadata/core-properties"/>
-    <ds:schemaRef ds:uri="http://purl.org/dc/dcmitype/"/>
-    <ds:schemaRef ds:uri="http://schemas.microsoft.com/office/infopath/2007/PartnerControls"/>
-    <ds:schemaRef ds:uri="http://purl.org/dc/terms/"/>
-  </ds:schemaRefs>
-</ds:datastoreItem>
-</file>
-
-<file path=customXml/itemProps2.xml><?xml version="1.0" encoding="utf-8"?>
 <ds:datastoreItem xmlns:ds="http://schemas.openxmlformats.org/officeDocument/2006/customXml" ds:itemID="{46D95F95-BD04-4506-AA32-6C1F5D8BD8BD}">
   <ds:schemaRefs>
     <ds:schemaRef ds:uri="http://schemas.microsoft.com/office/2006/metadata/contentType"/>
@@ -9080,6 +9148,22 @@
 </ds:datastoreItem>
 </file>
 
+<file path=customXml/itemProps2.xml><?xml version="1.0" encoding="utf-8"?>
+<ds:datastoreItem xmlns:ds="http://schemas.openxmlformats.org/officeDocument/2006/customXml" ds:itemID="{DA46E379-F785-4EC3-9D7D-4625EC2D6FE4}">
+  <ds:schemaRefs>
+    <ds:schemaRef ds:uri="http://schemas.microsoft.com/office/2006/documentManagement/types"/>
+    <ds:schemaRef ds:uri="http://www.w3.org/XML/1998/namespace"/>
+    <ds:schemaRef ds:uri="http://purl.org/dc/elements/1.1/"/>
+    <ds:schemaRef ds:uri="http://schemas.microsoft.com/office/2006/metadata/properties"/>
+    <ds:schemaRef ds:uri="e38b8155-5114-47b0-a9fa-eb229fbfe015"/>
+    <ds:schemaRef ds:uri="http://schemas.openxmlformats.org/package/2006/metadata/core-properties"/>
+    <ds:schemaRef ds:uri="http://purl.org/dc/dcmitype/"/>
+    <ds:schemaRef ds:uri="http://schemas.microsoft.com/office/infopath/2007/PartnerControls"/>
+    <ds:schemaRef ds:uri="http://purl.org/dc/terms/"/>
+  </ds:schemaRefs>
+</ds:datastoreItem>
+</file>
+
 <file path=customXml/itemProps3.xml><?xml version="1.0" encoding="utf-8"?>
 <ds:datastoreItem xmlns:ds="http://schemas.openxmlformats.org/officeDocument/2006/customXml" ds:itemID="{850509B3-B737-4CBB-82EF-E3EDD3E90B92}">
   <ds:schemaRefs>
